--- a/프론트엔드기초(PPT)/CSS3 9강_CSS 미디어쿼리.pptx
+++ b/프론트엔드기초(PPT)/CSS3 9강_CSS 미디어쿼리.pptx
@@ -119,6 +119,22 @@
       </a:defRPr>
     </a:lvl9pPr>
   </p:defaultTextStyle>
+  <p:extLst>
+    <p:ext uri="{EFAFB233-063F-42B5-8137-9DF3F51BA10A}">
+      <p15:sldGuideLst xmlns:p15="http://schemas.microsoft.com/office/powerpoint/2012/main">
+        <p15:guide id="1" orient="horz" pos="2160">
+          <p15:clr>
+            <a:srgbClr val="A4A3A4"/>
+          </p15:clr>
+        </p15:guide>
+        <p15:guide id="2" pos="2880">
+          <p15:clr>
+            <a:srgbClr val="A4A3A4"/>
+          </p15:clr>
+        </p15:guide>
+      </p15:sldGuideLst>
+    </p:ext>
+  </p:extLst>
 </p:presentation>
 </file>
 
@@ -204,7 +220,7 @@
           <a:p>
             <a:fld id="{3547FDC5-66A3-47B5-9CCE-43836CF927EE}" type="datetimeFigureOut">
               <a:rPr lang="ko-KR" altLang="en-US" smtClean="0"/>
-              <a:t>2020-08-14</a:t>
+              <a:t>2020-10-09</a:t>
             </a:fld>
             <a:endParaRPr lang="ko-KR" altLang="en-US"/>
           </a:p>
@@ -268,38 +284,37 @@
           <a:p>
             <a:pPr lvl="0"/>
             <a:r>
-              <a:rPr lang="ko-KR" altLang="en-US" smtClean="0"/>
+              <a:rPr lang="ko-KR" altLang="en-US"/>
               <a:t>마스터 텍스트 스타일을 편집합니다</a:t>
             </a:r>
           </a:p>
           <a:p>
             <a:pPr lvl="1"/>
             <a:r>
-              <a:rPr lang="ko-KR" altLang="en-US" smtClean="0"/>
+              <a:rPr lang="ko-KR" altLang="en-US"/>
               <a:t>둘째 수준</a:t>
             </a:r>
           </a:p>
           <a:p>
             <a:pPr lvl="2"/>
             <a:r>
-              <a:rPr lang="ko-KR" altLang="en-US" smtClean="0"/>
+              <a:rPr lang="ko-KR" altLang="en-US"/>
               <a:t>셋째 수준</a:t>
             </a:r>
           </a:p>
           <a:p>
             <a:pPr lvl="3"/>
             <a:r>
-              <a:rPr lang="ko-KR" altLang="en-US" smtClean="0"/>
+              <a:rPr lang="ko-KR" altLang="en-US"/>
               <a:t>넷째 수준</a:t>
             </a:r>
           </a:p>
           <a:p>
             <a:pPr lvl="4"/>
             <a:r>
-              <a:rPr lang="ko-KR" altLang="en-US" smtClean="0"/>
+              <a:rPr lang="ko-KR" altLang="en-US"/>
               <a:t>다섯째 수준</a:t>
             </a:r>
-            <a:endParaRPr lang="ko-KR" altLang="en-US"/>
           </a:p>
         </p:txBody>
       </p:sp>
@@ -510,10 +525,9 @@
           <a:lstStyle/>
           <a:p>
             <a:r>
-              <a:rPr lang="ko-KR" altLang="en-US" smtClean="0"/>
+              <a:rPr lang="ko-KR" altLang="en-US"/>
               <a:t>마스터 제목 스타일 편집</a:t>
             </a:r>
-            <a:endParaRPr lang="ko-KR" altLang="en-US"/>
           </a:p>
         </p:txBody>
       </p:sp>
@@ -629,10 +643,9 @@
           </a:lstStyle>
           <a:p>
             <a:r>
-              <a:rPr lang="ko-KR" altLang="en-US" smtClean="0"/>
+              <a:rPr lang="ko-KR" altLang="en-US"/>
               <a:t>마스터 부제목 스타일 편집</a:t>
             </a:r>
-            <a:endParaRPr lang="ko-KR" altLang="en-US"/>
           </a:p>
         </p:txBody>
       </p:sp>
@@ -653,7 +666,7 @@
           <a:p>
             <a:fld id="{FB30EDBD-1C2D-4C1E-B459-B60219FAB484}" type="datetimeFigureOut">
               <a:rPr lang="ko-KR" altLang="en-US" smtClean="0"/>
-              <a:t>2020-08-14</a:t>
+              <a:t>2020-10-09</a:t>
             </a:fld>
             <a:endParaRPr lang="ko-KR" altLang="en-US"/>
           </a:p>
@@ -742,10 +755,9 @@
           <a:lstStyle/>
           <a:p>
             <a:r>
-              <a:rPr lang="ko-KR" altLang="en-US" smtClean="0"/>
+              <a:rPr lang="ko-KR" altLang="en-US"/>
               <a:t>마스터 제목 스타일 편집</a:t>
             </a:r>
-            <a:endParaRPr lang="ko-KR" altLang="en-US"/>
           </a:p>
         </p:txBody>
       </p:sp>
@@ -766,38 +778,37 @@
           <a:p>
             <a:pPr lvl="0"/>
             <a:r>
-              <a:rPr lang="ko-KR" altLang="en-US" smtClean="0"/>
+              <a:rPr lang="ko-KR" altLang="en-US"/>
               <a:t>마스터 텍스트 스타일을 편집합니다</a:t>
             </a:r>
           </a:p>
           <a:p>
             <a:pPr lvl="1"/>
             <a:r>
-              <a:rPr lang="ko-KR" altLang="en-US" smtClean="0"/>
+              <a:rPr lang="ko-KR" altLang="en-US"/>
               <a:t>둘째 수준</a:t>
             </a:r>
           </a:p>
           <a:p>
             <a:pPr lvl="2"/>
             <a:r>
-              <a:rPr lang="ko-KR" altLang="en-US" smtClean="0"/>
+              <a:rPr lang="ko-KR" altLang="en-US"/>
               <a:t>셋째 수준</a:t>
             </a:r>
           </a:p>
           <a:p>
             <a:pPr lvl="3"/>
             <a:r>
-              <a:rPr lang="ko-KR" altLang="en-US" smtClean="0"/>
+              <a:rPr lang="ko-KR" altLang="en-US"/>
               <a:t>넷째 수준</a:t>
             </a:r>
           </a:p>
           <a:p>
             <a:pPr lvl="4"/>
             <a:r>
-              <a:rPr lang="ko-KR" altLang="en-US" smtClean="0"/>
+              <a:rPr lang="ko-KR" altLang="en-US"/>
               <a:t>다섯째 수준</a:t>
             </a:r>
-            <a:endParaRPr lang="ko-KR" altLang="en-US"/>
           </a:p>
         </p:txBody>
       </p:sp>
@@ -818,7 +829,7 @@
           <a:p>
             <a:fld id="{FB30EDBD-1C2D-4C1E-B459-B60219FAB484}" type="datetimeFigureOut">
               <a:rPr lang="ko-KR" altLang="en-US" smtClean="0"/>
-              <a:t>2020-08-14</a:t>
+              <a:t>2020-10-09</a:t>
             </a:fld>
             <a:endParaRPr lang="ko-KR" altLang="en-US"/>
           </a:p>
@@ -912,10 +923,9 @@
           <a:lstStyle/>
           <a:p>
             <a:r>
-              <a:rPr lang="ko-KR" altLang="en-US" smtClean="0"/>
+              <a:rPr lang="ko-KR" altLang="en-US"/>
               <a:t>마스터 제목 스타일 편집</a:t>
             </a:r>
-            <a:endParaRPr lang="ko-KR" altLang="en-US"/>
           </a:p>
         </p:txBody>
       </p:sp>
@@ -941,38 +951,37 @@
           <a:p>
             <a:pPr lvl="0"/>
             <a:r>
-              <a:rPr lang="ko-KR" altLang="en-US" smtClean="0"/>
+              <a:rPr lang="ko-KR" altLang="en-US"/>
               <a:t>마스터 텍스트 스타일을 편집합니다</a:t>
             </a:r>
           </a:p>
           <a:p>
             <a:pPr lvl="1"/>
             <a:r>
-              <a:rPr lang="ko-KR" altLang="en-US" smtClean="0"/>
+              <a:rPr lang="ko-KR" altLang="en-US"/>
               <a:t>둘째 수준</a:t>
             </a:r>
           </a:p>
           <a:p>
             <a:pPr lvl="2"/>
             <a:r>
-              <a:rPr lang="ko-KR" altLang="en-US" smtClean="0"/>
+              <a:rPr lang="ko-KR" altLang="en-US"/>
               <a:t>셋째 수준</a:t>
             </a:r>
           </a:p>
           <a:p>
             <a:pPr lvl="3"/>
             <a:r>
-              <a:rPr lang="ko-KR" altLang="en-US" smtClean="0"/>
+              <a:rPr lang="ko-KR" altLang="en-US"/>
               <a:t>넷째 수준</a:t>
             </a:r>
           </a:p>
           <a:p>
             <a:pPr lvl="4"/>
             <a:r>
-              <a:rPr lang="ko-KR" altLang="en-US" smtClean="0"/>
+              <a:rPr lang="ko-KR" altLang="en-US"/>
               <a:t>다섯째 수준</a:t>
             </a:r>
-            <a:endParaRPr lang="ko-KR" altLang="en-US"/>
           </a:p>
         </p:txBody>
       </p:sp>
@@ -993,7 +1002,7 @@
           <a:p>
             <a:fld id="{FB30EDBD-1C2D-4C1E-B459-B60219FAB484}" type="datetimeFigureOut">
               <a:rPr lang="ko-KR" altLang="en-US" smtClean="0"/>
-              <a:t>2020-08-14</a:t>
+              <a:t>2020-10-09</a:t>
             </a:fld>
             <a:endParaRPr lang="ko-KR" altLang="en-US"/>
           </a:p>
@@ -1082,10 +1091,9 @@
           <a:lstStyle/>
           <a:p>
             <a:r>
-              <a:rPr lang="ko-KR" altLang="en-US" smtClean="0"/>
+              <a:rPr lang="ko-KR" altLang="en-US"/>
               <a:t>마스터 제목 스타일 편집</a:t>
             </a:r>
-            <a:endParaRPr lang="ko-KR" altLang="en-US"/>
           </a:p>
         </p:txBody>
       </p:sp>
@@ -1106,38 +1114,37 @@
           <a:p>
             <a:pPr lvl="0"/>
             <a:r>
-              <a:rPr lang="ko-KR" altLang="en-US" smtClean="0"/>
+              <a:rPr lang="ko-KR" altLang="en-US"/>
               <a:t>마스터 텍스트 스타일을 편집합니다</a:t>
             </a:r>
           </a:p>
           <a:p>
             <a:pPr lvl="1"/>
             <a:r>
-              <a:rPr lang="ko-KR" altLang="en-US" smtClean="0"/>
+              <a:rPr lang="ko-KR" altLang="en-US"/>
               <a:t>둘째 수준</a:t>
             </a:r>
           </a:p>
           <a:p>
             <a:pPr lvl="2"/>
             <a:r>
-              <a:rPr lang="ko-KR" altLang="en-US" smtClean="0"/>
+              <a:rPr lang="ko-KR" altLang="en-US"/>
               <a:t>셋째 수준</a:t>
             </a:r>
           </a:p>
           <a:p>
             <a:pPr lvl="3"/>
             <a:r>
-              <a:rPr lang="ko-KR" altLang="en-US" smtClean="0"/>
+              <a:rPr lang="ko-KR" altLang="en-US"/>
               <a:t>넷째 수준</a:t>
             </a:r>
           </a:p>
           <a:p>
             <a:pPr lvl="4"/>
             <a:r>
-              <a:rPr lang="ko-KR" altLang="en-US" smtClean="0"/>
+              <a:rPr lang="ko-KR" altLang="en-US"/>
               <a:t>다섯째 수준</a:t>
             </a:r>
-            <a:endParaRPr lang="ko-KR" altLang="en-US"/>
           </a:p>
         </p:txBody>
       </p:sp>
@@ -1158,7 +1165,7 @@
           <a:p>
             <a:fld id="{FB30EDBD-1C2D-4C1E-B459-B60219FAB484}" type="datetimeFigureOut">
               <a:rPr lang="ko-KR" altLang="en-US" smtClean="0"/>
-              <a:t>2020-08-14</a:t>
+              <a:t>2020-10-09</a:t>
             </a:fld>
             <a:endParaRPr lang="ko-KR" altLang="en-US"/>
           </a:p>
@@ -1256,10 +1263,9 @@
           </a:lstStyle>
           <a:p>
             <a:r>
-              <a:rPr lang="ko-KR" altLang="en-US" smtClean="0"/>
+              <a:rPr lang="ko-KR" altLang="en-US"/>
               <a:t>마스터 제목 스타일 편집</a:t>
             </a:r>
-            <a:endParaRPr lang="ko-KR" altLang="en-US"/>
           </a:p>
         </p:txBody>
       </p:sp>
@@ -1376,7 +1382,7 @@
           <a:p>
             <a:pPr lvl="0"/>
             <a:r>
-              <a:rPr lang="ko-KR" altLang="en-US" smtClean="0"/>
+              <a:rPr lang="ko-KR" altLang="en-US"/>
               <a:t>마스터 텍스트 스타일을 편집합니다</a:t>
             </a:r>
           </a:p>
@@ -1399,7 +1405,7 @@
           <a:p>
             <a:fld id="{FB30EDBD-1C2D-4C1E-B459-B60219FAB484}" type="datetimeFigureOut">
               <a:rPr lang="ko-KR" altLang="en-US" smtClean="0"/>
-              <a:t>2020-08-14</a:t>
+              <a:t>2020-10-09</a:t>
             </a:fld>
             <a:endParaRPr lang="ko-KR" altLang="en-US"/>
           </a:p>
@@ -1488,10 +1494,9 @@
           <a:lstStyle/>
           <a:p>
             <a:r>
-              <a:rPr lang="ko-KR" altLang="en-US" smtClean="0"/>
+              <a:rPr lang="ko-KR" altLang="en-US"/>
               <a:t>마스터 제목 스타일 편집</a:t>
             </a:r>
-            <a:endParaRPr lang="ko-KR" altLang="en-US"/>
           </a:p>
         </p:txBody>
       </p:sp>
@@ -1545,38 +1550,37 @@
           <a:p>
             <a:pPr lvl="0"/>
             <a:r>
-              <a:rPr lang="ko-KR" altLang="en-US" smtClean="0"/>
+              <a:rPr lang="ko-KR" altLang="en-US"/>
               <a:t>마스터 텍스트 스타일을 편집합니다</a:t>
             </a:r>
           </a:p>
           <a:p>
             <a:pPr lvl="1"/>
             <a:r>
-              <a:rPr lang="ko-KR" altLang="en-US" smtClean="0"/>
+              <a:rPr lang="ko-KR" altLang="en-US"/>
               <a:t>둘째 수준</a:t>
             </a:r>
           </a:p>
           <a:p>
             <a:pPr lvl="2"/>
             <a:r>
-              <a:rPr lang="ko-KR" altLang="en-US" smtClean="0"/>
+              <a:rPr lang="ko-KR" altLang="en-US"/>
               <a:t>셋째 수준</a:t>
             </a:r>
           </a:p>
           <a:p>
             <a:pPr lvl="3"/>
             <a:r>
-              <a:rPr lang="ko-KR" altLang="en-US" smtClean="0"/>
+              <a:rPr lang="ko-KR" altLang="en-US"/>
               <a:t>넷째 수준</a:t>
             </a:r>
           </a:p>
           <a:p>
             <a:pPr lvl="4"/>
             <a:r>
-              <a:rPr lang="ko-KR" altLang="en-US" smtClean="0"/>
+              <a:rPr lang="ko-KR" altLang="en-US"/>
               <a:t>다섯째 수준</a:t>
             </a:r>
-            <a:endParaRPr lang="ko-KR" altLang="en-US"/>
           </a:p>
         </p:txBody>
       </p:sp>
@@ -1630,38 +1634,37 @@
           <a:p>
             <a:pPr lvl="0"/>
             <a:r>
-              <a:rPr lang="ko-KR" altLang="en-US" smtClean="0"/>
+              <a:rPr lang="ko-KR" altLang="en-US"/>
               <a:t>마스터 텍스트 스타일을 편집합니다</a:t>
             </a:r>
           </a:p>
           <a:p>
             <a:pPr lvl="1"/>
             <a:r>
-              <a:rPr lang="ko-KR" altLang="en-US" smtClean="0"/>
+              <a:rPr lang="ko-KR" altLang="en-US"/>
               <a:t>둘째 수준</a:t>
             </a:r>
           </a:p>
           <a:p>
             <a:pPr lvl="2"/>
             <a:r>
-              <a:rPr lang="ko-KR" altLang="en-US" smtClean="0"/>
+              <a:rPr lang="ko-KR" altLang="en-US"/>
               <a:t>셋째 수준</a:t>
             </a:r>
           </a:p>
           <a:p>
             <a:pPr lvl="3"/>
             <a:r>
-              <a:rPr lang="ko-KR" altLang="en-US" smtClean="0"/>
+              <a:rPr lang="ko-KR" altLang="en-US"/>
               <a:t>넷째 수준</a:t>
             </a:r>
           </a:p>
           <a:p>
             <a:pPr lvl="4"/>
             <a:r>
-              <a:rPr lang="ko-KR" altLang="en-US" smtClean="0"/>
+              <a:rPr lang="ko-KR" altLang="en-US"/>
               <a:t>다섯째 수준</a:t>
             </a:r>
-            <a:endParaRPr lang="ko-KR" altLang="en-US"/>
           </a:p>
         </p:txBody>
       </p:sp>
@@ -1682,7 +1685,7 @@
           <a:p>
             <a:fld id="{FB30EDBD-1C2D-4C1E-B459-B60219FAB484}" type="datetimeFigureOut">
               <a:rPr lang="ko-KR" altLang="en-US" smtClean="0"/>
-              <a:t>2020-08-14</a:t>
+              <a:t>2020-10-09</a:t>
             </a:fld>
             <a:endParaRPr lang="ko-KR" altLang="en-US"/>
           </a:p>
@@ -1775,10 +1778,9 @@
           </a:lstStyle>
           <a:p>
             <a:r>
-              <a:rPr lang="ko-KR" altLang="en-US" smtClean="0"/>
+              <a:rPr lang="ko-KR" altLang="en-US"/>
               <a:t>마스터 제목 스타일 편집</a:t>
             </a:r>
-            <a:endParaRPr lang="ko-KR" altLang="en-US"/>
           </a:p>
         </p:txBody>
       </p:sp>
@@ -1841,7 +1843,7 @@
           <a:p>
             <a:pPr lvl="0"/>
             <a:r>
-              <a:rPr lang="ko-KR" altLang="en-US" smtClean="0"/>
+              <a:rPr lang="ko-KR" altLang="en-US"/>
               <a:t>마스터 텍스트 스타일을 편집합니다</a:t>
             </a:r>
           </a:p>
@@ -1897,38 +1899,37 @@
           <a:p>
             <a:pPr lvl="0"/>
             <a:r>
-              <a:rPr lang="ko-KR" altLang="en-US" smtClean="0"/>
+              <a:rPr lang="ko-KR" altLang="en-US"/>
               <a:t>마스터 텍스트 스타일을 편집합니다</a:t>
             </a:r>
           </a:p>
           <a:p>
             <a:pPr lvl="1"/>
             <a:r>
-              <a:rPr lang="ko-KR" altLang="en-US" smtClean="0"/>
+              <a:rPr lang="ko-KR" altLang="en-US"/>
               <a:t>둘째 수준</a:t>
             </a:r>
           </a:p>
           <a:p>
             <a:pPr lvl="2"/>
             <a:r>
-              <a:rPr lang="ko-KR" altLang="en-US" smtClean="0"/>
+              <a:rPr lang="ko-KR" altLang="en-US"/>
               <a:t>셋째 수준</a:t>
             </a:r>
           </a:p>
           <a:p>
             <a:pPr lvl="3"/>
             <a:r>
-              <a:rPr lang="ko-KR" altLang="en-US" smtClean="0"/>
+              <a:rPr lang="ko-KR" altLang="en-US"/>
               <a:t>넷째 수준</a:t>
             </a:r>
           </a:p>
           <a:p>
             <a:pPr lvl="4"/>
             <a:r>
-              <a:rPr lang="ko-KR" altLang="en-US" smtClean="0"/>
+              <a:rPr lang="ko-KR" altLang="en-US"/>
               <a:t>다섯째 수준</a:t>
             </a:r>
-            <a:endParaRPr lang="ko-KR" altLang="en-US"/>
           </a:p>
         </p:txBody>
       </p:sp>
@@ -1991,7 +1992,7 @@
           <a:p>
             <a:pPr lvl="0"/>
             <a:r>
-              <a:rPr lang="ko-KR" altLang="en-US" smtClean="0"/>
+              <a:rPr lang="ko-KR" altLang="en-US"/>
               <a:t>마스터 텍스트 스타일을 편집합니다</a:t>
             </a:r>
           </a:p>
@@ -2047,38 +2048,37 @@
           <a:p>
             <a:pPr lvl="0"/>
             <a:r>
-              <a:rPr lang="ko-KR" altLang="en-US" smtClean="0"/>
+              <a:rPr lang="ko-KR" altLang="en-US"/>
               <a:t>마스터 텍스트 스타일을 편집합니다</a:t>
             </a:r>
           </a:p>
           <a:p>
             <a:pPr lvl="1"/>
             <a:r>
-              <a:rPr lang="ko-KR" altLang="en-US" smtClean="0"/>
+              <a:rPr lang="ko-KR" altLang="en-US"/>
               <a:t>둘째 수준</a:t>
             </a:r>
           </a:p>
           <a:p>
             <a:pPr lvl="2"/>
             <a:r>
-              <a:rPr lang="ko-KR" altLang="en-US" smtClean="0"/>
+              <a:rPr lang="ko-KR" altLang="en-US"/>
               <a:t>셋째 수준</a:t>
             </a:r>
           </a:p>
           <a:p>
             <a:pPr lvl="3"/>
             <a:r>
-              <a:rPr lang="ko-KR" altLang="en-US" smtClean="0"/>
+              <a:rPr lang="ko-KR" altLang="en-US"/>
               <a:t>넷째 수준</a:t>
             </a:r>
           </a:p>
           <a:p>
             <a:pPr lvl="4"/>
             <a:r>
-              <a:rPr lang="ko-KR" altLang="en-US" smtClean="0"/>
+              <a:rPr lang="ko-KR" altLang="en-US"/>
               <a:t>다섯째 수준</a:t>
             </a:r>
-            <a:endParaRPr lang="ko-KR" altLang="en-US"/>
           </a:p>
         </p:txBody>
       </p:sp>
@@ -2099,7 +2099,7 @@
           <a:p>
             <a:fld id="{FB30EDBD-1C2D-4C1E-B459-B60219FAB484}" type="datetimeFigureOut">
               <a:rPr lang="ko-KR" altLang="en-US" smtClean="0"/>
-              <a:t>2020-08-14</a:t>
+              <a:t>2020-10-09</a:t>
             </a:fld>
             <a:endParaRPr lang="ko-KR" altLang="en-US"/>
           </a:p>
@@ -2188,10 +2188,9 @@
           <a:lstStyle/>
           <a:p>
             <a:r>
-              <a:rPr lang="ko-KR" altLang="en-US" smtClean="0"/>
+              <a:rPr lang="ko-KR" altLang="en-US"/>
               <a:t>마스터 제목 스타일 편집</a:t>
             </a:r>
-            <a:endParaRPr lang="ko-KR" altLang="en-US"/>
           </a:p>
         </p:txBody>
       </p:sp>
@@ -2212,7 +2211,7 @@
           <a:p>
             <a:fld id="{FB30EDBD-1C2D-4C1E-B459-B60219FAB484}" type="datetimeFigureOut">
               <a:rPr lang="ko-KR" altLang="en-US" smtClean="0"/>
-              <a:t>2020-08-14</a:t>
+              <a:t>2020-10-09</a:t>
             </a:fld>
             <a:endParaRPr lang="ko-KR" altLang="en-US"/>
           </a:p>
@@ -2302,7 +2301,7 @@
           <a:p>
             <a:fld id="{FB30EDBD-1C2D-4C1E-B459-B60219FAB484}" type="datetimeFigureOut">
               <a:rPr lang="ko-KR" altLang="en-US" smtClean="0"/>
-              <a:t>2020-08-14</a:t>
+              <a:t>2020-10-09</a:t>
             </a:fld>
             <a:endParaRPr lang="ko-KR" altLang="en-US"/>
           </a:p>
@@ -2400,10 +2399,9 @@
           </a:lstStyle>
           <a:p>
             <a:r>
-              <a:rPr lang="ko-KR" altLang="en-US" smtClean="0"/>
+              <a:rPr lang="ko-KR" altLang="en-US"/>
               <a:t>마스터 제목 스타일 편집</a:t>
             </a:r>
-            <a:endParaRPr lang="ko-KR" altLang="en-US"/>
           </a:p>
         </p:txBody>
       </p:sp>
@@ -2457,38 +2455,37 @@
           <a:p>
             <a:pPr lvl="0"/>
             <a:r>
-              <a:rPr lang="ko-KR" altLang="en-US" smtClean="0"/>
+              <a:rPr lang="ko-KR" altLang="en-US"/>
               <a:t>마스터 텍스트 스타일을 편집합니다</a:t>
             </a:r>
           </a:p>
           <a:p>
             <a:pPr lvl="1"/>
             <a:r>
-              <a:rPr lang="ko-KR" altLang="en-US" smtClean="0"/>
+              <a:rPr lang="ko-KR" altLang="en-US"/>
               <a:t>둘째 수준</a:t>
             </a:r>
           </a:p>
           <a:p>
             <a:pPr lvl="2"/>
             <a:r>
-              <a:rPr lang="ko-KR" altLang="en-US" smtClean="0"/>
+              <a:rPr lang="ko-KR" altLang="en-US"/>
               <a:t>셋째 수준</a:t>
             </a:r>
           </a:p>
           <a:p>
             <a:pPr lvl="3"/>
             <a:r>
-              <a:rPr lang="ko-KR" altLang="en-US" smtClean="0"/>
+              <a:rPr lang="ko-KR" altLang="en-US"/>
               <a:t>넷째 수준</a:t>
             </a:r>
           </a:p>
           <a:p>
             <a:pPr lvl="4"/>
             <a:r>
-              <a:rPr lang="ko-KR" altLang="en-US" smtClean="0"/>
+              <a:rPr lang="ko-KR" altLang="en-US"/>
               <a:t>다섯째 수준</a:t>
             </a:r>
-            <a:endParaRPr lang="ko-KR" altLang="en-US"/>
           </a:p>
         </p:txBody>
       </p:sp>
@@ -2551,7 +2548,7 @@
           <a:p>
             <a:pPr lvl="0"/>
             <a:r>
-              <a:rPr lang="ko-KR" altLang="en-US" smtClean="0"/>
+              <a:rPr lang="ko-KR" altLang="en-US"/>
               <a:t>마스터 텍스트 스타일을 편집합니다</a:t>
             </a:r>
           </a:p>
@@ -2574,7 +2571,7 @@
           <a:p>
             <a:fld id="{FB30EDBD-1C2D-4C1E-B459-B60219FAB484}" type="datetimeFigureOut">
               <a:rPr lang="ko-KR" altLang="en-US" smtClean="0"/>
-              <a:t>2020-08-14</a:t>
+              <a:t>2020-10-09</a:t>
             </a:fld>
             <a:endParaRPr lang="ko-KR" altLang="en-US"/>
           </a:p>
@@ -2672,10 +2669,9 @@
           </a:lstStyle>
           <a:p>
             <a:r>
-              <a:rPr lang="ko-KR" altLang="en-US" smtClean="0"/>
+              <a:rPr lang="ko-KR" altLang="en-US"/>
               <a:t>마스터 제목 스타일 편집</a:t>
             </a:r>
-            <a:endParaRPr lang="ko-KR" altLang="en-US"/>
           </a:p>
         </p:txBody>
       </p:sp>
@@ -2799,7 +2795,7 @@
           <a:p>
             <a:pPr lvl="0"/>
             <a:r>
-              <a:rPr lang="ko-KR" altLang="en-US" smtClean="0"/>
+              <a:rPr lang="ko-KR" altLang="en-US"/>
               <a:t>마스터 텍스트 스타일을 편집합니다</a:t>
             </a:r>
           </a:p>
@@ -2822,7 +2818,7 @@
           <a:p>
             <a:fld id="{FB30EDBD-1C2D-4C1E-B459-B60219FAB484}" type="datetimeFigureOut">
               <a:rPr lang="ko-KR" altLang="en-US" smtClean="0"/>
-              <a:t>2020-08-14</a:t>
+              <a:t>2020-10-09</a:t>
             </a:fld>
             <a:endParaRPr lang="ko-KR" altLang="en-US"/>
           </a:p>
@@ -2926,10 +2922,9 @@
           <a:lstStyle/>
           <a:p>
             <a:r>
-              <a:rPr lang="ko-KR" altLang="en-US" smtClean="0"/>
+              <a:rPr lang="ko-KR" altLang="en-US"/>
               <a:t>마스터 제목 스타일 편집</a:t>
             </a:r>
-            <a:endParaRPr lang="ko-KR" altLang="en-US"/>
           </a:p>
         </p:txBody>
       </p:sp>
@@ -2960,38 +2955,37 @@
           <a:p>
             <a:pPr lvl="0"/>
             <a:r>
-              <a:rPr lang="ko-KR" altLang="en-US" smtClean="0"/>
+              <a:rPr lang="ko-KR" altLang="en-US"/>
               <a:t>마스터 텍스트 스타일을 편집합니다</a:t>
             </a:r>
           </a:p>
           <a:p>
             <a:pPr lvl="1"/>
             <a:r>
-              <a:rPr lang="ko-KR" altLang="en-US" smtClean="0"/>
+              <a:rPr lang="ko-KR" altLang="en-US"/>
               <a:t>둘째 수준</a:t>
             </a:r>
           </a:p>
           <a:p>
             <a:pPr lvl="2"/>
             <a:r>
-              <a:rPr lang="ko-KR" altLang="en-US" smtClean="0"/>
+              <a:rPr lang="ko-KR" altLang="en-US"/>
               <a:t>셋째 수준</a:t>
             </a:r>
           </a:p>
           <a:p>
             <a:pPr lvl="3"/>
             <a:r>
-              <a:rPr lang="ko-KR" altLang="en-US" smtClean="0"/>
+              <a:rPr lang="ko-KR" altLang="en-US"/>
               <a:t>넷째 수준</a:t>
             </a:r>
           </a:p>
           <a:p>
             <a:pPr lvl="4"/>
             <a:r>
-              <a:rPr lang="ko-KR" altLang="en-US" smtClean="0"/>
+              <a:rPr lang="ko-KR" altLang="en-US"/>
               <a:t>다섯째 수준</a:t>
             </a:r>
-            <a:endParaRPr lang="ko-KR" altLang="en-US"/>
           </a:p>
         </p:txBody>
       </p:sp>
@@ -3030,7 +3024,7 @@
           <a:p>
             <a:fld id="{FB30EDBD-1C2D-4C1E-B459-B60219FAB484}" type="datetimeFigureOut">
               <a:rPr lang="ko-KR" altLang="en-US" smtClean="0"/>
-              <a:t>2020-08-14</a:t>
+              <a:t>2020-10-09</a:t>
             </a:fld>
             <a:endParaRPr lang="ko-KR" altLang="en-US"/>
           </a:p>
@@ -3386,6 +3380,14 @@
 <file path=ppt/slides/slide1.xml><?xml version="1.0" encoding="utf-8"?>
 <p:sld xmlns:a="http://schemas.openxmlformats.org/drawingml/2006/main" xmlns:r="http://schemas.openxmlformats.org/officeDocument/2006/relationships" xmlns:p="http://schemas.openxmlformats.org/presentationml/2006/main">
   <p:cSld>
+    <p:bg>
+      <p:bgPr>
+        <a:solidFill>
+          <a:schemeClr val="accent6"/>
+        </a:solidFill>
+        <a:effectLst/>
+      </p:bgPr>
+    </p:bg>
     <p:spTree>
       <p:nvGrpSpPr>
         <p:cNvPr id="1" name=""/>
@@ -3418,77 +3420,62 @@
           <a:lstStyle/>
           <a:p>
             <a:r>
-              <a:rPr lang="en-US" altLang="ko-KR" sz="2800" dirty="0" smtClean="0">
-                <a:solidFill>
-                  <a:schemeClr val="accent5"/>
-                </a:solidFill>
-                <a:latin typeface="배달의민족 주아" pitchFamily="18" charset="-127"/>
-                <a:ea typeface="배달의민족 주아" pitchFamily="18" charset="-127"/>
-              </a:rPr>
-              <a:t>CSS3 7</a:t>
-            </a:r>
-            <a:r>
-              <a:rPr lang="ko-KR" altLang="en-US" sz="2800" dirty="0" smtClean="0">
-                <a:solidFill>
-                  <a:schemeClr val="accent5"/>
+              <a:rPr lang="en-US" altLang="ko-KR" sz="2800" dirty="0">
+                <a:solidFill>
+                  <a:schemeClr val="bg1"/>
+                </a:solidFill>
+                <a:latin typeface="배달의민족 주아" pitchFamily="18" charset="-127"/>
+                <a:ea typeface="배달의민족 주아" pitchFamily="18" charset="-127"/>
+              </a:rPr>
+              <a:t>CSS3 9</a:t>
+            </a:r>
+            <a:r>
+              <a:rPr lang="ko-KR" altLang="en-US" sz="2800" dirty="0">
+                <a:solidFill>
+                  <a:schemeClr val="bg1"/>
                 </a:solidFill>
                 <a:latin typeface="배달의민족 주아" pitchFamily="18" charset="-127"/>
                 <a:ea typeface="배달의민족 주아" pitchFamily="18" charset="-127"/>
               </a:rPr>
               <a:t>강</a:t>
             </a:r>
-            <a:r>
-              <a:rPr lang="en-US" altLang="ko-KR" sz="2800" dirty="0" smtClean="0">
-                <a:solidFill>
-                  <a:schemeClr val="accent5"/>
-                </a:solidFill>
-                <a:latin typeface="배달의민족 주아" pitchFamily="18" charset="-127"/>
-                <a:ea typeface="배달의민족 주아" pitchFamily="18" charset="-127"/>
-              </a:rPr>
-              <a:t/>
-            </a:r>
             <a:br>
-              <a:rPr lang="en-US" altLang="ko-KR" sz="2800" dirty="0" smtClean="0">
-                <a:solidFill>
-                  <a:schemeClr val="accent5"/>
+              <a:rPr lang="en-US" altLang="ko-KR" sz="2800" dirty="0">
+                <a:solidFill>
+                  <a:schemeClr val="bg1"/>
                 </a:solidFill>
                 <a:latin typeface="배달의민족 주아" pitchFamily="18" charset="-127"/>
                 <a:ea typeface="배달의민족 주아" pitchFamily="18" charset="-127"/>
               </a:rPr>
             </a:br>
-            <a:r>
-              <a:rPr lang="en-US" altLang="ko-KR" dirty="0" smtClean="0">
-                <a:latin typeface="배달의민족 주아" pitchFamily="18" charset="-127"/>
-                <a:ea typeface="배달의민족 주아" pitchFamily="18" charset="-127"/>
-              </a:rPr>
-              <a:t/>
-            </a:r>
             <a:br>
-              <a:rPr lang="en-US" altLang="ko-KR" dirty="0" smtClean="0">
+              <a:rPr lang="en-US" altLang="ko-KR" dirty="0">
+                <a:solidFill>
+                  <a:schemeClr val="bg1"/>
+                </a:solidFill>
                 <a:latin typeface="배달의민족 주아" pitchFamily="18" charset="-127"/>
                 <a:ea typeface="배달의민족 주아" pitchFamily="18" charset="-127"/>
               </a:rPr>
             </a:br>
             <a:r>
-              <a:rPr lang="en-US" altLang="ko-KR" dirty="0" smtClean="0">
+              <a:rPr lang="en-US" altLang="ko-KR" dirty="0">
+                <a:solidFill>
+                  <a:schemeClr val="bg1"/>
+                </a:solidFill>
                 <a:latin typeface="배달의민족 주아" pitchFamily="18" charset="-127"/>
                 <a:ea typeface="배달의민족 주아" pitchFamily="18" charset="-127"/>
               </a:rPr>
               <a:t>CSS </a:t>
             </a:r>
             <a:r>
-              <a:rPr lang="ko-KR" altLang="en-US" dirty="0" smtClean="0">
-                <a:latin typeface="배달의민족 주아" pitchFamily="18" charset="-127"/>
-                <a:ea typeface="배달의민족 주아" pitchFamily="18" charset="-127"/>
-              </a:rPr>
-              <a:t>미디어쿼</a:t>
-            </a:r>
-            <a:r>
               <a:rPr lang="ko-KR" altLang="en-US" dirty="0">
-                <a:latin typeface="배달의민족 주아" pitchFamily="18" charset="-127"/>
-                <a:ea typeface="배달의민족 주아" pitchFamily="18" charset="-127"/>
-              </a:rPr>
-              <a:t>리</a:t>
+                <a:solidFill>
+                  <a:schemeClr val="bg1"/>
+                </a:solidFill>
+                <a:latin typeface="배달의민족 주아" pitchFamily="18" charset="-127"/>
+                <a:ea typeface="배달의민족 주아" pitchFamily="18" charset="-127"/>
+              </a:rPr>
+              <a:t>미디어쿼리</a:t>
             </a:r>
           </a:p>
         </p:txBody>
@@ -3610,9 +3597,9 @@
           </a:lstStyle>
           <a:p>
             <a:r>
-              <a:rPr lang="en-US" altLang="ko-KR" dirty="0" smtClean="0">
-                <a:solidFill>
-                  <a:schemeClr val="accent5"/>
+              <a:rPr lang="en-US" altLang="ko-KR" dirty="0">
+                <a:solidFill>
+                  <a:schemeClr val="bg1"/>
                 </a:solidFill>
                 <a:latin typeface="배달의민족 도현" pitchFamily="50" charset="-127"/>
                 <a:ea typeface="배달의민족 도현" pitchFamily="50" charset="-127"/>
@@ -3620,16 +3607,16 @@
               <a:t>S</a:t>
             </a:r>
             <a:r>
-              <a:rPr lang="en-US" altLang="ko-KR" dirty="0" smtClean="0">
+              <a:rPr lang="en-US" altLang="ko-KR" dirty="0">
                 <a:latin typeface="배달의민족 도현" pitchFamily="50" charset="-127"/>
                 <a:ea typeface="배달의민족 도현" pitchFamily="50" charset="-127"/>
               </a:rPr>
               <a:t>TART</a:t>
             </a:r>
             <a:r>
-              <a:rPr lang="en-US" altLang="ko-KR" dirty="0" smtClean="0">
-                <a:solidFill>
-                  <a:schemeClr val="accent5"/>
+              <a:rPr lang="en-US" altLang="ko-KR" dirty="0">
+                <a:solidFill>
+                  <a:schemeClr val="bg1"/>
                 </a:solidFill>
                 <a:latin typeface="배달의민족 도현" pitchFamily="50" charset="-127"/>
                 <a:ea typeface="배달의민족 도현" pitchFamily="50" charset="-127"/>
@@ -3637,7 +3624,7 @@
               <a:t>C</a:t>
             </a:r>
             <a:r>
-              <a:rPr lang="en-US" altLang="ko-KR" dirty="0" smtClean="0">
+              <a:rPr lang="en-US" altLang="ko-KR" dirty="0">
                 <a:latin typeface="배달의민족 도현" pitchFamily="50" charset="-127"/>
                 <a:ea typeface="배달의민족 도현" pitchFamily="50" charset="-127"/>
               </a:rPr>
@@ -3660,13 +3647,6 @@
   <p:clrMapOvr>
     <a:masterClrMapping/>
   </p:clrMapOvr>
-  <p:timing>
-    <p:tnLst>
-      <p:par>
-        <p:cTn id="1" dur="indefinite" restart="never" nodeType="tmRoot"/>
-      </p:par>
-    </p:tnLst>
-  </p:timing>
 </p:sld>
 </file>
 
@@ -3804,7 +3784,7 @@
           </a:lstStyle>
           <a:p>
             <a:r>
-              <a:rPr lang="en-US" altLang="ko-KR" dirty="0" smtClean="0">
+              <a:rPr lang="en-US" altLang="ko-KR" dirty="0">
                 <a:solidFill>
                   <a:schemeClr val="accent5"/>
                 </a:solidFill>
@@ -3814,14 +3794,14 @@
               <a:t>S</a:t>
             </a:r>
             <a:r>
-              <a:rPr lang="en-US" altLang="ko-KR" dirty="0" smtClean="0">
+              <a:rPr lang="en-US" altLang="ko-KR" dirty="0">
                 <a:latin typeface="배달의민족 도현" pitchFamily="50" charset="-127"/>
                 <a:ea typeface="배달의민족 도현" pitchFamily="50" charset="-127"/>
               </a:rPr>
               <a:t>TART</a:t>
             </a:r>
             <a:r>
-              <a:rPr lang="en-US" altLang="ko-KR" dirty="0" smtClean="0">
+              <a:rPr lang="en-US" altLang="ko-KR" dirty="0">
                 <a:solidFill>
                   <a:schemeClr val="accent5"/>
                 </a:solidFill>
@@ -3831,7 +3811,7 @@
               <a:t>C</a:t>
             </a:r>
             <a:r>
-              <a:rPr lang="en-US" altLang="ko-KR" dirty="0" smtClean="0">
+              <a:rPr lang="en-US" altLang="ko-KR" dirty="0">
                 <a:latin typeface="배달의민족 도현" pitchFamily="50" charset="-127"/>
                 <a:ea typeface="배달의민족 도현" pitchFamily="50" charset="-127"/>
               </a:rPr>
@@ -3884,61 +3864,23 @@
           <a:p>
             <a:pPr algn="l"/>
             <a:r>
-              <a:rPr lang="ko-KR" altLang="en-US" sz="2800" dirty="0" err="1" smtClean="0">
+              <a:rPr lang="ko-KR" altLang="en-US" sz="2800" dirty="0" err="1">
                 <a:latin typeface="배달의민족 주아" pitchFamily="18" charset="-127"/>
                 <a:ea typeface="배달의민족 주아" pitchFamily="18" charset="-127"/>
               </a:rPr>
               <a:t>데스크탑을</a:t>
             </a:r>
             <a:r>
-              <a:rPr lang="ko-KR" altLang="en-US" sz="2800" dirty="0" smtClean="0">
+              <a:rPr lang="ko-KR" altLang="en-US" sz="2800" dirty="0">
                 <a:latin typeface="배달의민족 주아" pitchFamily="18" charset="-127"/>
                 <a:ea typeface="배달의민족 주아" pitchFamily="18" charset="-127"/>
               </a:rPr>
               <a:t> 우선 할 경우</a:t>
             </a:r>
-            <a:endParaRPr lang="en-US" altLang="ko-KR" sz="2800" dirty="0" smtClean="0">
+            <a:endParaRPr lang="en-US" altLang="ko-KR" sz="2800" dirty="0">
               <a:latin typeface="배달의민족 주아" pitchFamily="18" charset="-127"/>
               <a:ea typeface="배달의민족 주아" pitchFamily="18" charset="-127"/>
             </a:endParaRPr>
-          </a:p>
-          <a:p>
-            <a:pPr algn="l"/>
-            <a:endParaRPr lang="en-US" altLang="ko-KR" sz="2800" dirty="0" smtClean="0">
-              <a:latin typeface="배달의민족 주아" pitchFamily="18" charset="-127"/>
-              <a:ea typeface="배달의민족 주아" pitchFamily="18" charset="-127"/>
-            </a:endParaRPr>
-          </a:p>
-          <a:p>
-            <a:pPr algn="l"/>
-            <a:r>
-              <a:rPr lang="en-US" altLang="ko-KR" sz="2800" dirty="0" smtClean="0">
-                <a:latin typeface="배달의민족 주아" pitchFamily="18" charset="-127"/>
-                <a:ea typeface="배달의민족 주아" pitchFamily="18" charset="-127"/>
-              </a:rPr>
-              <a:t>/* </a:t>
-            </a:r>
-            <a:r>
-              <a:rPr lang="ko-KR" altLang="en-US" sz="2800" dirty="0" err="1" smtClean="0">
-                <a:latin typeface="배달의민족 주아" pitchFamily="18" charset="-127"/>
-                <a:ea typeface="배달의민족 주아" pitchFamily="18" charset="-127"/>
-              </a:rPr>
-              <a:t>데스크탑에</a:t>
-            </a:r>
-            <a:r>
-              <a:rPr lang="ko-KR" altLang="en-US" sz="2800" dirty="0" smtClean="0">
-                <a:latin typeface="배달의민족 주아" pitchFamily="18" charset="-127"/>
-                <a:ea typeface="배달의민족 주아" pitchFamily="18" charset="-127"/>
-              </a:rPr>
-              <a:t> 적용될 스타일을 먼저 작성합니다</a:t>
-            </a:r>
-            <a:r>
-              <a:rPr lang="en-US" altLang="ko-KR" sz="2800" dirty="0" smtClean="0">
-                <a:latin typeface="배달의민족 주아" pitchFamily="18" charset="-127"/>
-                <a:ea typeface="배달의민족 주아" pitchFamily="18" charset="-127"/>
-              </a:rPr>
-              <a:t>. */ </a:t>
-            </a:r>
           </a:p>
           <a:p>
             <a:pPr algn="l"/>
@@ -3950,42 +3892,32 @@
           <a:p>
             <a:pPr algn="l"/>
             <a:r>
-              <a:rPr lang="en-US" altLang="ko-KR" sz="2800" dirty="0" smtClean="0">
-                <a:latin typeface="배달의민족 주아" pitchFamily="18" charset="-127"/>
-                <a:ea typeface="배달의민족 주아" pitchFamily="18" charset="-127"/>
-              </a:rPr>
-              <a:t>@media screen and (max-width : 768px){</a:t>
-            </a:r>
-          </a:p>
-          <a:p>
-            <a:pPr algn="l"/>
-            <a:r>
-              <a:rPr lang="en-US" altLang="ko-KR" sz="2800" dirty="0" smtClean="0">
-                <a:latin typeface="배달의민족 주아" pitchFamily="18" charset="-127"/>
-                <a:ea typeface="배달의민족 주아" pitchFamily="18" charset="-127"/>
-              </a:rPr>
-              <a:t>	/* </a:t>
-            </a:r>
-            <a:r>
-              <a:rPr lang="ko-KR" altLang="en-US" sz="2800" dirty="0" err="1" smtClean="0">
-                <a:latin typeface="배달의민족 주아" pitchFamily="18" charset="-127"/>
-                <a:ea typeface="배달의민족 주아" pitchFamily="18" charset="-127"/>
-              </a:rPr>
-              <a:t>모바일에서</a:t>
-            </a:r>
-            <a:r>
-              <a:rPr lang="ko-KR" altLang="en-US" sz="2800" dirty="0" smtClean="0">
-                <a:latin typeface="배달의민족 주아" pitchFamily="18" charset="-127"/>
-                <a:ea typeface="배달의민족 주아" pitchFamily="18" charset="-127"/>
-              </a:rPr>
-              <a:t> 사용될 스타일을 작성</a:t>
-            </a:r>
-            <a:r>
-              <a:rPr lang="en-US" altLang="ko-KR" sz="2800" dirty="0" smtClean="0">
-                <a:latin typeface="배달의민족 주아" pitchFamily="18" charset="-127"/>
-                <a:ea typeface="배달의민족 주아" pitchFamily="18" charset="-127"/>
-              </a:rPr>
-              <a:t> */ </a:t>
+              <a:rPr lang="en-US" altLang="ko-KR" sz="2800" dirty="0">
+                <a:latin typeface="배달의민족 주아" pitchFamily="18" charset="-127"/>
+                <a:ea typeface="배달의민족 주아" pitchFamily="18" charset="-127"/>
+              </a:rPr>
+              <a:t>/* </a:t>
+            </a:r>
+            <a:r>
+              <a:rPr lang="ko-KR" altLang="en-US" sz="2800" dirty="0" err="1">
+                <a:latin typeface="배달의민족 주아" pitchFamily="18" charset="-127"/>
+                <a:ea typeface="배달의민족 주아" pitchFamily="18" charset="-127"/>
+              </a:rPr>
+              <a:t>데스크탑에</a:t>
+            </a:r>
+            <a:r>
+              <a:rPr lang="ko-KR" altLang="en-US" sz="2800" dirty="0">
+                <a:latin typeface="배달의민족 주아" pitchFamily="18" charset="-127"/>
+                <a:ea typeface="배달의민족 주아" pitchFamily="18" charset="-127"/>
+              </a:rPr>
+              <a:t> 적용될 스타일을 먼저 작성합니다</a:t>
+            </a:r>
+            <a:r>
+              <a:rPr lang="en-US" altLang="ko-KR" sz="2800" dirty="0">
+                <a:latin typeface="배달의민족 주아" pitchFamily="18" charset="-127"/>
+                <a:ea typeface="배달의민족 주아" pitchFamily="18" charset="-127"/>
+              </a:rPr>
+              <a:t>. */ </a:t>
             </a:r>
           </a:p>
           <a:p>
@@ -3998,7 +3930,55 @@
           <a:p>
             <a:pPr algn="l"/>
             <a:r>
-              <a:rPr lang="en-US" altLang="ko-KR" sz="2800" dirty="0" smtClean="0">
+              <a:rPr lang="en-US" altLang="ko-KR" sz="2800" dirty="0">
+                <a:latin typeface="배달의민족 주아" pitchFamily="18" charset="-127"/>
+                <a:ea typeface="배달의민족 주아" pitchFamily="18" charset="-127"/>
+              </a:rPr>
+              <a:t>@media screen and (max-width : 768px){</a:t>
+            </a:r>
+          </a:p>
+          <a:p>
+            <a:pPr algn="l"/>
+            <a:r>
+              <a:rPr lang="en-US" altLang="ko-KR" sz="2800" dirty="0">
+                <a:latin typeface="배달의민족 주아" pitchFamily="18" charset="-127"/>
+                <a:ea typeface="배달의민족 주아" pitchFamily="18" charset="-127"/>
+              </a:rPr>
+              <a:t>	/* </a:t>
+            </a:r>
+            <a:r>
+              <a:rPr lang="ko-KR" altLang="en-US" sz="2800" dirty="0" err="1">
+                <a:latin typeface="배달의민족 주아" pitchFamily="18" charset="-127"/>
+                <a:ea typeface="배달의민족 주아" pitchFamily="18" charset="-127"/>
+              </a:rPr>
+              <a:t>모바일에서</a:t>
+            </a:r>
+            <a:r>
+              <a:rPr lang="ko-KR" altLang="en-US" sz="2800" dirty="0">
+                <a:latin typeface="배달의민족 주아" pitchFamily="18" charset="-127"/>
+                <a:ea typeface="배달의민족 주아" pitchFamily="18" charset="-127"/>
+              </a:rPr>
+              <a:t> 사용될 스타일을 작성</a:t>
+            </a:r>
+            <a:r>
+              <a:rPr lang="en-US" altLang="ko-KR" sz="2800" dirty="0">
+                <a:latin typeface="배달의민족 주아" pitchFamily="18" charset="-127"/>
+                <a:ea typeface="배달의민족 주아" pitchFamily="18" charset="-127"/>
+              </a:rPr>
+              <a:t> */ </a:t>
+            </a:r>
+          </a:p>
+          <a:p>
+            <a:pPr algn="l"/>
+            <a:endParaRPr lang="en-US" altLang="ko-KR" sz="2800" dirty="0">
+              <a:latin typeface="배달의민족 주아" pitchFamily="18" charset="-127"/>
+              <a:ea typeface="배달의민족 주아" pitchFamily="18" charset="-127"/>
+            </a:endParaRPr>
+          </a:p>
+          <a:p>
+            <a:pPr algn="l"/>
+            <a:r>
+              <a:rPr lang="en-US" altLang="ko-KR" sz="2800" dirty="0">
                 <a:latin typeface="배달의민족 주아" pitchFamily="18" charset="-127"/>
                 <a:ea typeface="배달의민족 주아" pitchFamily="18" charset="-127"/>
               </a:rPr>
@@ -4240,7 +4220,7 @@
           </a:lstStyle>
           <a:p>
             <a:r>
-              <a:rPr lang="en-US" altLang="ko-KR" dirty="0" smtClean="0">
+              <a:rPr lang="en-US" altLang="ko-KR" dirty="0">
                 <a:solidFill>
                   <a:schemeClr val="accent5"/>
                 </a:solidFill>
@@ -4250,14 +4230,14 @@
               <a:t>S</a:t>
             </a:r>
             <a:r>
-              <a:rPr lang="en-US" altLang="ko-KR" dirty="0" smtClean="0">
+              <a:rPr lang="en-US" altLang="ko-KR" dirty="0">
                 <a:latin typeface="배달의민족 도현" pitchFamily="50" charset="-127"/>
                 <a:ea typeface="배달의민족 도현" pitchFamily="50" charset="-127"/>
               </a:rPr>
               <a:t>TART</a:t>
             </a:r>
             <a:r>
-              <a:rPr lang="en-US" altLang="ko-KR" dirty="0" smtClean="0">
+              <a:rPr lang="en-US" altLang="ko-KR" dirty="0">
                 <a:solidFill>
                   <a:schemeClr val="accent5"/>
                 </a:solidFill>
@@ -4267,7 +4247,7 @@
               <a:t>C</a:t>
             </a:r>
             <a:r>
-              <a:rPr lang="en-US" altLang="ko-KR" dirty="0" smtClean="0">
+              <a:rPr lang="en-US" altLang="ko-KR" dirty="0">
                 <a:latin typeface="배달의민족 도현" pitchFamily="50" charset="-127"/>
                 <a:ea typeface="배달의민족 도현" pitchFamily="50" charset="-127"/>
               </a:rPr>
@@ -4320,61 +4300,23 @@
           <a:p>
             <a:pPr algn="l"/>
             <a:r>
-              <a:rPr lang="ko-KR" altLang="en-US" sz="2800" dirty="0" err="1" smtClean="0">
+              <a:rPr lang="ko-KR" altLang="en-US" sz="2800" dirty="0" err="1">
                 <a:latin typeface="배달의민족 주아" pitchFamily="18" charset="-127"/>
                 <a:ea typeface="배달의민족 주아" pitchFamily="18" charset="-127"/>
               </a:rPr>
               <a:t>모바일을</a:t>
             </a:r>
             <a:r>
-              <a:rPr lang="ko-KR" altLang="en-US" sz="2800" dirty="0" smtClean="0">
+              <a:rPr lang="ko-KR" altLang="en-US" sz="2800" dirty="0">
                 <a:latin typeface="배달의민족 주아" pitchFamily="18" charset="-127"/>
                 <a:ea typeface="배달의민족 주아" pitchFamily="18" charset="-127"/>
               </a:rPr>
               <a:t> 우선 할 경우</a:t>
             </a:r>
-            <a:endParaRPr lang="en-US" altLang="ko-KR" sz="2800" dirty="0" smtClean="0">
+            <a:endParaRPr lang="en-US" altLang="ko-KR" sz="2800" dirty="0">
               <a:latin typeface="배달의민족 주아" pitchFamily="18" charset="-127"/>
               <a:ea typeface="배달의민족 주아" pitchFamily="18" charset="-127"/>
             </a:endParaRPr>
-          </a:p>
-          <a:p>
-            <a:pPr algn="l"/>
-            <a:endParaRPr lang="en-US" altLang="ko-KR" sz="2800" dirty="0" smtClean="0">
-              <a:latin typeface="배달의민족 주아" pitchFamily="18" charset="-127"/>
-              <a:ea typeface="배달의민족 주아" pitchFamily="18" charset="-127"/>
-            </a:endParaRPr>
-          </a:p>
-          <a:p>
-            <a:pPr algn="l"/>
-            <a:r>
-              <a:rPr lang="en-US" altLang="ko-KR" sz="2800" dirty="0" smtClean="0">
-                <a:latin typeface="배달의민족 주아" pitchFamily="18" charset="-127"/>
-                <a:ea typeface="배달의민족 주아" pitchFamily="18" charset="-127"/>
-              </a:rPr>
-              <a:t>/* </a:t>
-            </a:r>
-            <a:r>
-              <a:rPr lang="ko-KR" altLang="en-US" sz="2800" dirty="0" err="1" smtClean="0">
-                <a:latin typeface="배달의민족 주아" pitchFamily="18" charset="-127"/>
-                <a:ea typeface="배달의민족 주아" pitchFamily="18" charset="-127"/>
-              </a:rPr>
-              <a:t>모바일에</a:t>
-            </a:r>
-            <a:r>
-              <a:rPr lang="ko-KR" altLang="en-US" sz="2800" dirty="0" smtClean="0">
-                <a:latin typeface="배달의민족 주아" pitchFamily="18" charset="-127"/>
-                <a:ea typeface="배달의민족 주아" pitchFamily="18" charset="-127"/>
-              </a:rPr>
-              <a:t> 적용될 스타일을 먼저 작성합니다</a:t>
-            </a:r>
-            <a:r>
-              <a:rPr lang="en-US" altLang="ko-KR" sz="2800" dirty="0" smtClean="0">
-                <a:latin typeface="배달의민족 주아" pitchFamily="18" charset="-127"/>
-                <a:ea typeface="배달의민족 주아" pitchFamily="18" charset="-127"/>
-              </a:rPr>
-              <a:t>. */ </a:t>
-            </a:r>
           </a:p>
           <a:p>
             <a:pPr algn="l"/>
@@ -4386,42 +4328,32 @@
           <a:p>
             <a:pPr algn="l"/>
             <a:r>
-              <a:rPr lang="en-US" altLang="ko-KR" sz="2800" dirty="0" smtClean="0">
-                <a:latin typeface="배달의민족 주아" pitchFamily="18" charset="-127"/>
-                <a:ea typeface="배달의민족 주아" pitchFamily="18" charset="-127"/>
-              </a:rPr>
-              <a:t>@media screen and (min-width : 769px){</a:t>
-            </a:r>
-          </a:p>
-          <a:p>
-            <a:pPr algn="l"/>
-            <a:r>
-              <a:rPr lang="en-US" altLang="ko-KR" sz="2800" dirty="0" smtClean="0">
-                <a:latin typeface="배달의민족 주아" pitchFamily="18" charset="-127"/>
-                <a:ea typeface="배달의민족 주아" pitchFamily="18" charset="-127"/>
-              </a:rPr>
-              <a:t>	/* </a:t>
-            </a:r>
-            <a:r>
-              <a:rPr lang="ko-KR" altLang="en-US" sz="2800" dirty="0" err="1" smtClean="0">
-                <a:latin typeface="배달의민족 주아" pitchFamily="18" charset="-127"/>
-                <a:ea typeface="배달의민족 주아" pitchFamily="18" charset="-127"/>
-              </a:rPr>
-              <a:t>데스크탑에서</a:t>
-            </a:r>
-            <a:r>
-              <a:rPr lang="ko-KR" altLang="en-US" sz="2800" dirty="0" smtClean="0">
-                <a:latin typeface="배달의민족 주아" pitchFamily="18" charset="-127"/>
-                <a:ea typeface="배달의민족 주아" pitchFamily="18" charset="-127"/>
-              </a:rPr>
-              <a:t> 사용될 스타일을 작성</a:t>
-            </a:r>
-            <a:r>
-              <a:rPr lang="en-US" altLang="ko-KR" sz="2800" dirty="0" smtClean="0">
-                <a:latin typeface="배달의민족 주아" pitchFamily="18" charset="-127"/>
-                <a:ea typeface="배달의민족 주아" pitchFamily="18" charset="-127"/>
-              </a:rPr>
-              <a:t> */ </a:t>
+              <a:rPr lang="en-US" altLang="ko-KR" sz="2800" dirty="0">
+                <a:latin typeface="배달의민족 주아" pitchFamily="18" charset="-127"/>
+                <a:ea typeface="배달의민족 주아" pitchFamily="18" charset="-127"/>
+              </a:rPr>
+              <a:t>/* </a:t>
+            </a:r>
+            <a:r>
+              <a:rPr lang="ko-KR" altLang="en-US" sz="2800" dirty="0" err="1">
+                <a:latin typeface="배달의민족 주아" pitchFamily="18" charset="-127"/>
+                <a:ea typeface="배달의민족 주아" pitchFamily="18" charset="-127"/>
+              </a:rPr>
+              <a:t>모바일에</a:t>
+            </a:r>
+            <a:r>
+              <a:rPr lang="ko-KR" altLang="en-US" sz="2800" dirty="0">
+                <a:latin typeface="배달의민족 주아" pitchFamily="18" charset="-127"/>
+                <a:ea typeface="배달의민족 주아" pitchFamily="18" charset="-127"/>
+              </a:rPr>
+              <a:t> 적용될 스타일을 먼저 작성합니다</a:t>
+            </a:r>
+            <a:r>
+              <a:rPr lang="en-US" altLang="ko-KR" sz="2800" dirty="0">
+                <a:latin typeface="배달의민족 주아" pitchFamily="18" charset="-127"/>
+                <a:ea typeface="배달의민족 주아" pitchFamily="18" charset="-127"/>
+              </a:rPr>
+              <a:t>. */ </a:t>
             </a:r>
           </a:p>
           <a:p>
@@ -4434,7 +4366,55 @@
           <a:p>
             <a:pPr algn="l"/>
             <a:r>
-              <a:rPr lang="en-US" altLang="ko-KR" sz="2800" dirty="0" smtClean="0">
+              <a:rPr lang="en-US" altLang="ko-KR" sz="2800" dirty="0">
+                <a:latin typeface="배달의민족 주아" pitchFamily="18" charset="-127"/>
+                <a:ea typeface="배달의민족 주아" pitchFamily="18" charset="-127"/>
+              </a:rPr>
+              <a:t>@media screen and (min-width : 769px){</a:t>
+            </a:r>
+          </a:p>
+          <a:p>
+            <a:pPr algn="l"/>
+            <a:r>
+              <a:rPr lang="en-US" altLang="ko-KR" sz="2800" dirty="0">
+                <a:latin typeface="배달의민족 주아" pitchFamily="18" charset="-127"/>
+                <a:ea typeface="배달의민족 주아" pitchFamily="18" charset="-127"/>
+              </a:rPr>
+              <a:t>	/* </a:t>
+            </a:r>
+            <a:r>
+              <a:rPr lang="ko-KR" altLang="en-US" sz="2800" dirty="0" err="1">
+                <a:latin typeface="배달의민족 주아" pitchFamily="18" charset="-127"/>
+                <a:ea typeface="배달의민족 주아" pitchFamily="18" charset="-127"/>
+              </a:rPr>
+              <a:t>데스크탑에서</a:t>
+            </a:r>
+            <a:r>
+              <a:rPr lang="ko-KR" altLang="en-US" sz="2800" dirty="0">
+                <a:latin typeface="배달의민족 주아" pitchFamily="18" charset="-127"/>
+                <a:ea typeface="배달의민족 주아" pitchFamily="18" charset="-127"/>
+              </a:rPr>
+              <a:t> 사용될 스타일을 작성</a:t>
+            </a:r>
+            <a:r>
+              <a:rPr lang="en-US" altLang="ko-KR" sz="2800" dirty="0">
+                <a:latin typeface="배달의민족 주아" pitchFamily="18" charset="-127"/>
+                <a:ea typeface="배달의민족 주아" pitchFamily="18" charset="-127"/>
+              </a:rPr>
+              <a:t> */ </a:t>
+            </a:r>
+          </a:p>
+          <a:p>
+            <a:pPr algn="l"/>
+            <a:endParaRPr lang="en-US" altLang="ko-KR" sz="2800" dirty="0">
+              <a:latin typeface="배달의민족 주아" pitchFamily="18" charset="-127"/>
+              <a:ea typeface="배달의민족 주아" pitchFamily="18" charset="-127"/>
+            </a:endParaRPr>
+          </a:p>
+          <a:p>
+            <a:pPr algn="l"/>
+            <a:r>
+              <a:rPr lang="en-US" altLang="ko-KR" sz="2800" dirty="0">
                 <a:latin typeface="배달의민족 주아" pitchFamily="18" charset="-127"/>
                 <a:ea typeface="배달의민족 주아" pitchFamily="18" charset="-127"/>
               </a:rPr>
@@ -4676,7 +4656,7 @@
           </a:lstStyle>
           <a:p>
             <a:r>
-              <a:rPr lang="en-US" altLang="ko-KR" dirty="0" smtClean="0">
+              <a:rPr lang="en-US" altLang="ko-KR" dirty="0">
                 <a:solidFill>
                   <a:schemeClr val="accent5"/>
                 </a:solidFill>
@@ -4686,14 +4666,14 @@
               <a:t>S</a:t>
             </a:r>
             <a:r>
-              <a:rPr lang="en-US" altLang="ko-KR" dirty="0" smtClean="0">
+              <a:rPr lang="en-US" altLang="ko-KR" dirty="0">
                 <a:latin typeface="배달의민족 도현" pitchFamily="50" charset="-127"/>
                 <a:ea typeface="배달의민족 도현" pitchFamily="50" charset="-127"/>
               </a:rPr>
               <a:t>TART</a:t>
             </a:r>
             <a:r>
-              <a:rPr lang="en-US" altLang="ko-KR" dirty="0" smtClean="0">
+              <a:rPr lang="en-US" altLang="ko-KR" dirty="0">
                 <a:solidFill>
                   <a:schemeClr val="accent5"/>
                 </a:solidFill>
@@ -4703,7 +4683,7 @@
               <a:t>C</a:t>
             </a:r>
             <a:r>
-              <a:rPr lang="en-US" altLang="ko-KR" dirty="0" smtClean="0">
+              <a:rPr lang="en-US" altLang="ko-KR" dirty="0">
                 <a:latin typeface="배달의민족 도현" pitchFamily="50" charset="-127"/>
                 <a:ea typeface="배달의민족 도현" pitchFamily="50" charset="-127"/>
               </a:rPr>
@@ -4755,38 +4735,38 @@
           </a:lstStyle>
           <a:p>
             <a:r>
-              <a:rPr lang="ko-KR" altLang="en-US" sz="2800" dirty="0" err="1" smtClean="0">
+              <a:rPr lang="ko-KR" altLang="en-US" sz="2800" dirty="0" err="1">
                 <a:latin typeface="배달의민족 주아" pitchFamily="18" charset="-127"/>
                 <a:ea typeface="배달의민족 주아" pitchFamily="18" charset="-127"/>
               </a:rPr>
               <a:t>뷰포트에</a:t>
             </a:r>
             <a:r>
-              <a:rPr lang="ko-KR" altLang="en-US" sz="2800" dirty="0" smtClean="0">
+              <a:rPr lang="ko-KR" altLang="en-US" sz="2800" dirty="0">
                 <a:latin typeface="배달의민족 주아" pitchFamily="18" charset="-127"/>
                 <a:ea typeface="배달의민족 주아" pitchFamily="18" charset="-127"/>
               </a:rPr>
               <a:t> 대한 설명</a:t>
             </a:r>
-            <a:endParaRPr lang="en-US" altLang="ko-KR" sz="2800" dirty="0" smtClean="0">
-              <a:latin typeface="배달의민족 주아" pitchFamily="18" charset="-127"/>
-              <a:ea typeface="배달의민족 주아" pitchFamily="18" charset="-127"/>
-            </a:endParaRPr>
-          </a:p>
-          <a:p>
             <a:endParaRPr lang="en-US" altLang="ko-KR" sz="2800" dirty="0">
               <a:latin typeface="배달의민족 주아" pitchFamily="18" charset="-127"/>
               <a:ea typeface="배달의민족 주아" pitchFamily="18" charset="-127"/>
             </a:endParaRPr>
           </a:p>
           <a:p>
+            <a:endParaRPr lang="en-US" altLang="ko-KR" sz="2800" dirty="0">
+              <a:latin typeface="배달의민족 주아" pitchFamily="18" charset="-127"/>
+              <a:ea typeface="배달의민족 주아" pitchFamily="18" charset="-127"/>
+            </a:endParaRPr>
+          </a:p>
+          <a:p>
             <a:r>
               <a:rPr lang="en-US" altLang="ko-KR" sz="2800" dirty="0">
                 <a:hlinkClick r:id="rId2"/>
               </a:rPr>
               <a:t>https://aboooks.tistory.com/352</a:t>
             </a:r>
-            <a:endParaRPr lang="en-US" altLang="ko-KR" sz="2800" dirty="0" smtClean="0">
+            <a:endParaRPr lang="en-US" altLang="ko-KR" sz="2800" dirty="0">
               <a:latin typeface="배달의민족 주아" pitchFamily="18" charset="-127"/>
               <a:ea typeface="배달의민족 주아" pitchFamily="18" charset="-127"/>
             </a:endParaRPr>
@@ -4948,16 +4928,12 @@
           </a:lstStyle>
           <a:p>
             <a:r>
-              <a:rPr lang="ko-KR" altLang="en-US" dirty="0" smtClean="0">
+              <a:rPr lang="ko-KR" altLang="en-US" dirty="0">
                 <a:latin typeface="배달의민족 주아" pitchFamily="18" charset="-127"/>
                 <a:ea typeface="배달의민족 주아" pitchFamily="18" charset="-127"/>
               </a:rPr>
               <a:t>감사합니다</a:t>
             </a:r>
-            <a:endParaRPr lang="ko-KR" altLang="en-US" dirty="0">
-              <a:latin typeface="배달의민족 주아" pitchFamily="18" charset="-127"/>
-              <a:ea typeface="배달의민족 주아" pitchFamily="18" charset="-127"/>
-            </a:endParaRPr>
           </a:p>
         </p:txBody>
       </p:sp>
@@ -5078,7 +5054,7 @@
           </a:lstStyle>
           <a:p>
             <a:r>
-              <a:rPr lang="en-US" altLang="ko-KR" dirty="0" smtClean="0">
+              <a:rPr lang="en-US" altLang="ko-KR" dirty="0">
                 <a:solidFill>
                   <a:schemeClr val="accent5"/>
                 </a:solidFill>
@@ -5088,14 +5064,14 @@
               <a:t>S</a:t>
             </a:r>
             <a:r>
-              <a:rPr lang="en-US" altLang="ko-KR" dirty="0" smtClean="0">
+              <a:rPr lang="en-US" altLang="ko-KR" dirty="0">
                 <a:latin typeface="배달의민족 도현" pitchFamily="50" charset="-127"/>
                 <a:ea typeface="배달의민족 도현" pitchFamily="50" charset="-127"/>
               </a:rPr>
               <a:t>TART</a:t>
             </a:r>
             <a:r>
-              <a:rPr lang="en-US" altLang="ko-KR" dirty="0" smtClean="0">
+              <a:rPr lang="en-US" altLang="ko-KR" dirty="0">
                 <a:solidFill>
                   <a:schemeClr val="accent5"/>
                 </a:solidFill>
@@ -5105,7 +5081,7 @@
               <a:t>C</a:t>
             </a:r>
             <a:r>
-              <a:rPr lang="en-US" altLang="ko-KR" dirty="0" smtClean="0">
+              <a:rPr lang="en-US" altLang="ko-KR" dirty="0">
                 <a:latin typeface="배달의민족 도현" pitchFamily="50" charset="-127"/>
                 <a:ea typeface="배달의민족 도현" pitchFamily="50" charset="-127"/>
               </a:rPr>
@@ -5140,16 +5116,10 @@
           <a:lstStyle/>
           <a:p>
             <a:r>
-              <a:rPr lang="en-US" altLang="ko-KR" dirty="0" smtClean="0">
+              <a:rPr lang="en-US" altLang="ko-KR" dirty="0">
                 <a:hlinkClick r:id="rId2"/>
               </a:rPr>
-              <a:t>https</a:t>
-            </a:r>
-            <a:r>
-              <a:rPr lang="en-US" altLang="ko-KR" dirty="0">
-                <a:hlinkClick r:id="rId2"/>
-              </a:rPr>
-              <a:t>://www.w3schools.com/css/css3_mediaqueries.asp</a:t>
+              <a:t>https://www.w3schools.com/css/css3_mediaqueries.asp</a:t>
             </a:r>
             <a:endParaRPr lang="ko-KR" altLang="en-US" dirty="0"/>
           </a:p>
@@ -5178,10 +5148,9 @@
           <a:lstStyle/>
           <a:p>
             <a:r>
-              <a:rPr lang="ko-KR" altLang="en-US" dirty="0" smtClean="0"/>
+              <a:rPr lang="ko-KR" altLang="en-US" dirty="0"/>
               <a:t>참고문헌</a:t>
             </a:r>
-            <a:endParaRPr lang="ko-KR" altLang="en-US" dirty="0"/>
           </a:p>
         </p:txBody>
       </p:sp>
@@ -5195,13 +5164,6 @@
   <p:clrMapOvr>
     <a:masterClrMapping/>
   </p:clrMapOvr>
-  <p:timing>
-    <p:tnLst>
-      <p:par>
-        <p:cTn id="1" dur="indefinite" restart="never" nodeType="tmRoot"/>
-      </p:par>
-    </p:tnLst>
-  </p:timing>
 </p:sld>
 </file>
 
@@ -5261,21 +5223,21 @@
           </a:lstStyle>
           <a:p>
             <a:r>
-              <a:rPr lang="ko-KR" altLang="en-US" sz="3600" dirty="0" err="1" smtClean="0">
+              <a:rPr lang="ko-KR" altLang="en-US" sz="3600" dirty="0" err="1">
                 <a:latin typeface="배달의민족 주아" pitchFamily="18" charset="-127"/>
                 <a:ea typeface="배달의민족 주아" pitchFamily="18" charset="-127"/>
               </a:rPr>
               <a:t>반응형</a:t>
             </a:r>
             <a:r>
-              <a:rPr lang="ko-KR" altLang="en-US" sz="3600" dirty="0" smtClean="0">
+              <a:rPr lang="ko-KR" altLang="en-US" sz="3600" dirty="0">
                 <a:latin typeface="배달의민족 주아" pitchFamily="18" charset="-127"/>
                 <a:ea typeface="배달의민족 주아" pitchFamily="18" charset="-127"/>
               </a:rPr>
               <a:t> 웹</a:t>
             </a:r>
             <a:r>
-              <a:rPr lang="en-US" altLang="ko-KR" sz="3600" dirty="0" smtClean="0">
+              <a:rPr lang="en-US" altLang="ko-KR" sz="3600" dirty="0">
                 <a:latin typeface="배달의민족 주아" pitchFamily="18" charset="-127"/>
                 <a:ea typeface="배달의민족 주아" pitchFamily="18" charset="-127"/>
               </a:rPr>
@@ -5284,7 +5246,7 @@
           </a:p>
           <a:p>
             <a:r>
-              <a:rPr lang="en-US" altLang="ko-KR" sz="3600" dirty="0" smtClean="0">
+              <a:rPr lang="en-US" altLang="ko-KR" sz="3600" dirty="0">
                 <a:latin typeface="배달의민족 주아" pitchFamily="18" charset="-127"/>
                 <a:ea typeface="배달의민족 주아" pitchFamily="18" charset="-127"/>
               </a:rPr>
@@ -5410,7 +5372,7 @@
           </a:lstStyle>
           <a:p>
             <a:r>
-              <a:rPr lang="en-US" altLang="ko-KR" dirty="0" smtClean="0">
+              <a:rPr lang="en-US" altLang="ko-KR" dirty="0">
                 <a:solidFill>
                   <a:schemeClr val="accent5"/>
                 </a:solidFill>
@@ -5420,14 +5382,14 @@
               <a:t>S</a:t>
             </a:r>
             <a:r>
-              <a:rPr lang="en-US" altLang="ko-KR" dirty="0" smtClean="0">
+              <a:rPr lang="en-US" altLang="ko-KR" dirty="0">
                 <a:latin typeface="배달의민족 도현" pitchFamily="50" charset="-127"/>
                 <a:ea typeface="배달의민족 도현" pitchFamily="50" charset="-127"/>
               </a:rPr>
               <a:t>TART</a:t>
             </a:r>
             <a:r>
-              <a:rPr lang="en-US" altLang="ko-KR" dirty="0" smtClean="0">
+              <a:rPr lang="en-US" altLang="ko-KR" dirty="0">
                 <a:solidFill>
                   <a:schemeClr val="accent5"/>
                 </a:solidFill>
@@ -5437,7 +5399,7 @@
               <a:t>C</a:t>
             </a:r>
             <a:r>
-              <a:rPr lang="en-US" altLang="ko-KR" dirty="0" smtClean="0">
+              <a:rPr lang="en-US" altLang="ko-KR" dirty="0">
                 <a:latin typeface="배달의민족 도현" pitchFamily="50" charset="-127"/>
                 <a:ea typeface="배달의민족 도현" pitchFamily="50" charset="-127"/>
               </a:rPr>
@@ -5460,21 +5422,6 @@
   <p:clrMapOvr>
     <a:masterClrMapping/>
   </p:clrMapOvr>
-  <mc:AlternateContent xmlns:mc="http://schemas.openxmlformats.org/markup-compatibility/2006" xmlns:p14="http://schemas.microsoft.com/office/powerpoint/2010/main">
-    <mc:Choice Requires="p14">
-      <p:transition p14:dur="0"/>
-    </mc:Choice>
-    <mc:Fallback xmlns="">
-      <p:transition/>
-    </mc:Fallback>
-  </mc:AlternateContent>
-  <p:timing>
-    <p:tnLst>
-      <p:par>
-        <p:cTn id="1" dur="indefinite" restart="never" nodeType="tmRoot"/>
-      </p:par>
-    </p:tnLst>
-  </p:timing>
 </p:sld>
 </file>
 
@@ -5612,7 +5559,7 @@
           </a:lstStyle>
           <a:p>
             <a:r>
-              <a:rPr lang="en-US" altLang="ko-KR" dirty="0" smtClean="0">
+              <a:rPr lang="en-US" altLang="ko-KR" dirty="0">
                 <a:solidFill>
                   <a:schemeClr val="accent5"/>
                 </a:solidFill>
@@ -5622,14 +5569,14 @@
               <a:t>S</a:t>
             </a:r>
             <a:r>
-              <a:rPr lang="en-US" altLang="ko-KR" dirty="0" smtClean="0">
+              <a:rPr lang="en-US" altLang="ko-KR" dirty="0">
                 <a:latin typeface="배달의민족 도현" pitchFamily="50" charset="-127"/>
                 <a:ea typeface="배달의민족 도현" pitchFamily="50" charset="-127"/>
               </a:rPr>
               <a:t>TART</a:t>
             </a:r>
             <a:r>
-              <a:rPr lang="en-US" altLang="ko-KR" dirty="0" smtClean="0">
+              <a:rPr lang="en-US" altLang="ko-KR" dirty="0">
                 <a:solidFill>
                   <a:schemeClr val="accent5"/>
                 </a:solidFill>
@@ -5639,7 +5586,7 @@
               <a:t>C</a:t>
             </a:r>
             <a:r>
-              <a:rPr lang="en-US" altLang="ko-KR" dirty="0" smtClean="0">
+              <a:rPr lang="en-US" altLang="ko-KR" dirty="0">
                 <a:latin typeface="배달의민족 도현" pitchFamily="50" charset="-127"/>
                 <a:ea typeface="배달의민족 도현" pitchFamily="50" charset="-127"/>
               </a:rPr>
@@ -5703,13 +5650,6 @@
   <p:clrMapOvr>
     <a:masterClrMapping/>
   </p:clrMapOvr>
-  <p:timing>
-    <p:tnLst>
-      <p:par>
-        <p:cTn id="1" dur="indefinite" restart="never" nodeType="tmRoot"/>
-      </p:par>
-    </p:tnLst>
-  </p:timing>
 </p:sld>
 </file>
 
@@ -5847,7 +5787,7 @@
           </a:lstStyle>
           <a:p>
             <a:r>
-              <a:rPr lang="en-US" altLang="ko-KR" dirty="0" smtClean="0">
+              <a:rPr lang="en-US" altLang="ko-KR" dirty="0">
                 <a:solidFill>
                   <a:schemeClr val="accent5"/>
                 </a:solidFill>
@@ -5857,14 +5797,14 @@
               <a:t>S</a:t>
             </a:r>
             <a:r>
-              <a:rPr lang="en-US" altLang="ko-KR" dirty="0" smtClean="0">
+              <a:rPr lang="en-US" altLang="ko-KR" dirty="0">
                 <a:latin typeface="배달의민족 도현" pitchFamily="50" charset="-127"/>
                 <a:ea typeface="배달의민족 도현" pitchFamily="50" charset="-127"/>
               </a:rPr>
               <a:t>TART</a:t>
             </a:r>
             <a:r>
-              <a:rPr lang="en-US" altLang="ko-KR" dirty="0" smtClean="0">
+              <a:rPr lang="en-US" altLang="ko-KR" dirty="0">
                 <a:solidFill>
                   <a:schemeClr val="accent5"/>
                 </a:solidFill>
@@ -5874,7 +5814,7 @@
               <a:t>C</a:t>
             </a:r>
             <a:r>
-              <a:rPr lang="en-US" altLang="ko-KR" dirty="0" smtClean="0">
+              <a:rPr lang="en-US" altLang="ko-KR" dirty="0">
                 <a:latin typeface="배달의민족 도현" pitchFamily="50" charset="-127"/>
                 <a:ea typeface="배달의민족 도현" pitchFamily="50" charset="-127"/>
               </a:rPr>
@@ -5938,13 +5878,6 @@
   <p:clrMapOvr>
     <a:masterClrMapping/>
   </p:clrMapOvr>
-  <p:timing>
-    <p:tnLst>
-      <p:par>
-        <p:cTn id="1" dur="indefinite" restart="never" nodeType="tmRoot"/>
-      </p:par>
-    </p:tnLst>
-  </p:timing>
 </p:sld>
 </file>
 
@@ -5981,21 +5914,21 @@
           <a:lstStyle/>
           <a:p>
             <a:r>
-              <a:rPr lang="ko-KR" altLang="en-US" dirty="0" smtClean="0">
+              <a:rPr lang="ko-KR" altLang="en-US" dirty="0">
                 <a:latin typeface="배달의민족 주아" pitchFamily="18" charset="-127"/>
                 <a:ea typeface="배달의민족 주아" pitchFamily="18" charset="-127"/>
               </a:rPr>
               <a:t>절대값 단위 </a:t>
             </a:r>
             <a:r>
-              <a:rPr lang="en-US" altLang="ko-KR" dirty="0" smtClean="0">
+              <a:rPr lang="en-US" altLang="ko-KR" dirty="0">
                 <a:latin typeface="배달의민족 주아" pitchFamily="18" charset="-127"/>
                 <a:ea typeface="배달의민족 주아" pitchFamily="18" charset="-127"/>
               </a:rPr>
               <a:t>-&gt; </a:t>
             </a:r>
             <a:r>
-              <a:rPr lang="ko-KR" altLang="en-US" dirty="0" err="1" smtClean="0">
+              <a:rPr lang="ko-KR" altLang="en-US" dirty="0" err="1">
                 <a:solidFill>
                   <a:schemeClr val="accent5"/>
                 </a:solidFill>
@@ -6005,16 +5938,12 @@
               <a:t>상대값</a:t>
             </a:r>
             <a:r>
-              <a:rPr lang="ko-KR" altLang="en-US" dirty="0" smtClean="0">
+              <a:rPr lang="ko-KR" altLang="en-US" dirty="0">
                 <a:latin typeface="배달의민족 주아" pitchFamily="18" charset="-127"/>
                 <a:ea typeface="배달의민족 주아" pitchFamily="18" charset="-127"/>
               </a:rPr>
               <a:t> 단위</a:t>
             </a:r>
-            <a:endParaRPr lang="ko-KR" altLang="en-US" dirty="0">
-              <a:latin typeface="배달의민족 주아" pitchFamily="18" charset="-127"/>
-              <a:ea typeface="배달의민족 주아" pitchFamily="18" charset="-127"/>
-            </a:endParaRPr>
           </a:p>
         </p:txBody>
       </p:sp>
@@ -6135,7 +6064,7 @@
           </a:lstStyle>
           <a:p>
             <a:r>
-              <a:rPr lang="en-US" altLang="ko-KR" dirty="0" smtClean="0">
+              <a:rPr lang="en-US" altLang="ko-KR" dirty="0">
                 <a:solidFill>
                   <a:schemeClr val="accent5"/>
                 </a:solidFill>
@@ -6145,14 +6074,14 @@
               <a:t>S</a:t>
             </a:r>
             <a:r>
-              <a:rPr lang="en-US" altLang="ko-KR" dirty="0" smtClean="0">
+              <a:rPr lang="en-US" altLang="ko-KR" dirty="0">
                 <a:latin typeface="배달의민족 도현" pitchFamily="50" charset="-127"/>
                 <a:ea typeface="배달의민족 도현" pitchFamily="50" charset="-127"/>
               </a:rPr>
               <a:t>TART</a:t>
             </a:r>
             <a:r>
-              <a:rPr lang="en-US" altLang="ko-KR" dirty="0" smtClean="0">
+              <a:rPr lang="en-US" altLang="ko-KR" dirty="0">
                 <a:solidFill>
                   <a:schemeClr val="accent5"/>
                 </a:solidFill>
@@ -6162,7 +6091,7 @@
               <a:t>C</a:t>
             </a:r>
             <a:r>
-              <a:rPr lang="en-US" altLang="ko-KR" dirty="0" smtClean="0">
+              <a:rPr lang="en-US" altLang="ko-KR" dirty="0">
                 <a:latin typeface="배달의민족 도현" pitchFamily="50" charset="-127"/>
                 <a:ea typeface="배달의민족 도현" pitchFamily="50" charset="-127"/>
               </a:rPr>
@@ -6259,21 +6188,21 @@
           </a:lstStyle>
           <a:p>
             <a:r>
-              <a:rPr lang="en-US" altLang="ko-KR" dirty="0" err="1" smtClean="0">
+              <a:rPr lang="en-US" altLang="ko-KR" dirty="0" err="1">
                 <a:latin typeface="배달의민족 주아" pitchFamily="18" charset="-127"/>
                 <a:ea typeface="배달의민족 주아" pitchFamily="18" charset="-127"/>
               </a:rPr>
               <a:t>px</a:t>
             </a:r>
             <a:r>
-              <a:rPr lang="en-US" altLang="ko-KR" dirty="0" smtClean="0">
+              <a:rPr lang="en-US" altLang="ko-KR" dirty="0">
                 <a:latin typeface="배달의민족 주아" pitchFamily="18" charset="-127"/>
                 <a:ea typeface="배달의민족 주아" pitchFamily="18" charset="-127"/>
               </a:rPr>
               <a:t> -&gt; </a:t>
             </a:r>
             <a:r>
-              <a:rPr lang="ko-KR" altLang="en-US" dirty="0" smtClean="0">
+              <a:rPr lang="ko-KR" altLang="en-US" dirty="0">
                 <a:solidFill>
                   <a:schemeClr val="accent5"/>
                 </a:solidFill>
@@ -6283,7 +6212,7 @@
               <a:t>백분율</a:t>
             </a:r>
             <a:r>
-              <a:rPr lang="en-US" altLang="ko-KR" dirty="0" smtClean="0">
+              <a:rPr lang="en-US" altLang="ko-KR" dirty="0">
                 <a:solidFill>
                   <a:schemeClr val="accent5"/>
                 </a:solidFill>
@@ -6293,7 +6222,7 @@
               <a:t>(%), </a:t>
             </a:r>
             <a:r>
-              <a:rPr lang="en-US" altLang="ko-KR" dirty="0" err="1" smtClean="0">
+              <a:rPr lang="en-US" altLang="ko-KR" dirty="0" err="1">
                 <a:solidFill>
                   <a:schemeClr val="accent5"/>
                 </a:solidFill>
@@ -6303,7 +6232,7 @@
               <a:t>vh</a:t>
             </a:r>
             <a:r>
-              <a:rPr lang="en-US" altLang="ko-KR" dirty="0" smtClean="0">
+              <a:rPr lang="en-US" altLang="ko-KR" dirty="0">
                 <a:solidFill>
                   <a:schemeClr val="accent5"/>
                 </a:solidFill>
@@ -6313,7 +6242,7 @@
               <a:t>, </a:t>
             </a:r>
             <a:r>
-              <a:rPr lang="en-US" altLang="ko-KR" dirty="0" err="1" smtClean="0">
+              <a:rPr lang="en-US" altLang="ko-KR" dirty="0" err="1">
                 <a:solidFill>
                   <a:schemeClr val="accent5"/>
                 </a:solidFill>
@@ -6342,13 +6271,6 @@
   <p:clrMapOvr>
     <a:masterClrMapping/>
   </p:clrMapOvr>
-  <p:timing>
-    <p:tnLst>
-      <p:par>
-        <p:cTn id="1" dur="indefinite" restart="never" nodeType="tmRoot"/>
-      </p:par>
-    </p:tnLst>
-  </p:timing>
 </p:sld>
 </file>
 
@@ -6385,44 +6307,40 @@
           <a:lstStyle/>
           <a:p>
             <a:r>
-              <a:rPr lang="ko-KR" altLang="en-US" dirty="0" err="1" smtClean="0">
+              <a:rPr lang="ko-KR" altLang="en-US" dirty="0" err="1">
                 <a:latin typeface="배달의민족 주아" pitchFamily="18" charset="-127"/>
                 <a:ea typeface="배달의민족 주아" pitchFamily="18" charset="-127"/>
               </a:rPr>
               <a:t>반응형</a:t>
             </a:r>
             <a:r>
-              <a:rPr lang="ko-KR" altLang="en-US" dirty="0" smtClean="0">
+              <a:rPr lang="ko-KR" altLang="en-US" dirty="0">
                 <a:latin typeface="배달의민족 주아" pitchFamily="18" charset="-127"/>
                 <a:ea typeface="배달의민족 주아" pitchFamily="18" charset="-127"/>
               </a:rPr>
               <a:t> 레이아웃</a:t>
             </a:r>
             <a:r>
-              <a:rPr lang="en-US" altLang="ko-KR" dirty="0" smtClean="0">
+              <a:rPr lang="en-US" altLang="ko-KR" dirty="0">
                 <a:latin typeface="배달의민족 주아" pitchFamily="18" charset="-127"/>
                 <a:ea typeface="배달의민족 주아" pitchFamily="18" charset="-127"/>
               </a:rPr>
               <a:t>, </a:t>
             </a:r>
             <a:r>
-              <a:rPr lang="ko-KR" altLang="en-US" dirty="0" err="1" smtClean="0">
+              <a:rPr lang="ko-KR" altLang="en-US" dirty="0" err="1">
                 <a:latin typeface="배달의민족 주아" pitchFamily="18" charset="-127"/>
                 <a:ea typeface="배달의민족 주아" pitchFamily="18" charset="-127"/>
               </a:rPr>
               <a:t>반응형</a:t>
             </a:r>
             <a:r>
-              <a:rPr lang="ko-KR" altLang="en-US" dirty="0" smtClean="0">
+              <a:rPr lang="ko-KR" altLang="en-US" dirty="0">
                 <a:latin typeface="배달의민족 주아" pitchFamily="18" charset="-127"/>
                 <a:ea typeface="배달의민족 주아" pitchFamily="18" charset="-127"/>
               </a:rPr>
               <a:t> 프레임워크</a:t>
             </a:r>
-            <a:endParaRPr lang="ko-KR" altLang="en-US" dirty="0">
-              <a:latin typeface="배달의민족 주아" pitchFamily="18" charset="-127"/>
-              <a:ea typeface="배달의민족 주아" pitchFamily="18" charset="-127"/>
-            </a:endParaRPr>
           </a:p>
         </p:txBody>
       </p:sp>
@@ -6543,7 +6461,7 @@
           </a:lstStyle>
           <a:p>
             <a:r>
-              <a:rPr lang="en-US" altLang="ko-KR" dirty="0" smtClean="0">
+              <a:rPr lang="en-US" altLang="ko-KR" dirty="0">
                 <a:solidFill>
                   <a:schemeClr val="accent5"/>
                 </a:solidFill>
@@ -6553,14 +6471,14 @@
               <a:t>S</a:t>
             </a:r>
             <a:r>
-              <a:rPr lang="en-US" altLang="ko-KR" dirty="0" smtClean="0">
+              <a:rPr lang="en-US" altLang="ko-KR" dirty="0">
                 <a:latin typeface="배달의민족 도현" pitchFamily="50" charset="-127"/>
                 <a:ea typeface="배달의민족 도현" pitchFamily="50" charset="-127"/>
               </a:rPr>
               <a:t>TART</a:t>
             </a:r>
             <a:r>
-              <a:rPr lang="en-US" altLang="ko-KR" dirty="0" smtClean="0">
+              <a:rPr lang="en-US" altLang="ko-KR" dirty="0">
                 <a:solidFill>
                   <a:schemeClr val="accent5"/>
                 </a:solidFill>
@@ -6570,7 +6488,7 @@
               <a:t>C</a:t>
             </a:r>
             <a:r>
-              <a:rPr lang="en-US" altLang="ko-KR" dirty="0" smtClean="0">
+              <a:rPr lang="en-US" altLang="ko-KR" dirty="0">
                 <a:latin typeface="배달의민족 도현" pitchFamily="50" charset="-127"/>
                 <a:ea typeface="배달의민족 도현" pitchFamily="50" charset="-127"/>
               </a:rPr>
@@ -6667,7 +6585,7 @@
           </a:lstStyle>
           <a:p>
             <a:r>
-              <a:rPr lang="en-US" altLang="ko-KR" dirty="0" smtClean="0">
+              <a:rPr lang="en-US" altLang="ko-KR" dirty="0">
                 <a:solidFill>
                   <a:schemeClr val="accent5"/>
                 </a:solidFill>
@@ -6677,14 +6595,14 @@
               <a:t>Flex-box</a:t>
             </a:r>
             <a:r>
-              <a:rPr lang="en-US" altLang="ko-KR" dirty="0" smtClean="0">
+              <a:rPr lang="en-US" altLang="ko-KR" dirty="0">
                 <a:latin typeface="배달의민족 주아" pitchFamily="18" charset="-127"/>
                 <a:ea typeface="배달의민족 주아" pitchFamily="18" charset="-127"/>
               </a:rPr>
               <a:t>, </a:t>
             </a:r>
             <a:r>
-              <a:rPr lang="en-US" altLang="ko-KR" dirty="0" smtClean="0">
+              <a:rPr lang="en-US" altLang="ko-KR" dirty="0">
                 <a:solidFill>
                   <a:schemeClr val="accent5"/>
                 </a:solidFill>
@@ -6713,13 +6631,6 @@
   <p:clrMapOvr>
     <a:masterClrMapping/>
   </p:clrMapOvr>
-  <p:timing>
-    <p:tnLst>
-      <p:par>
-        <p:cTn id="1" dur="indefinite" restart="never" nodeType="tmRoot"/>
-      </p:par>
-    </p:tnLst>
-  </p:timing>
 </p:sld>
 </file>
 
@@ -6756,28 +6667,28 @@
           <a:lstStyle/>
           <a:p>
             <a:r>
-              <a:rPr lang="ko-KR" altLang="en-US" dirty="0" smtClean="0">
+              <a:rPr lang="ko-KR" altLang="en-US" dirty="0">
                 <a:latin typeface="배달의민족 주아" pitchFamily="18" charset="-127"/>
                 <a:ea typeface="배달의민족 주아" pitchFamily="18" charset="-127"/>
               </a:rPr>
               <a:t>미디어 쿼리</a:t>
             </a:r>
             <a:r>
-              <a:rPr lang="en-US" altLang="ko-KR" dirty="0" smtClean="0">
+              <a:rPr lang="en-US" altLang="ko-KR" dirty="0">
                 <a:latin typeface="배달의민족 주아" pitchFamily="18" charset="-127"/>
                 <a:ea typeface="배달의민족 주아" pitchFamily="18" charset="-127"/>
               </a:rPr>
               <a:t>(media </a:t>
             </a:r>
             <a:r>
-              <a:rPr lang="en-US" altLang="ko-KR" dirty="0" err="1" smtClean="0">
+              <a:rPr lang="en-US" altLang="ko-KR" dirty="0" err="1">
                 <a:latin typeface="배달의민족 주아" pitchFamily="18" charset="-127"/>
                 <a:ea typeface="배달의민족 주아" pitchFamily="18" charset="-127"/>
               </a:rPr>
               <a:t>querys</a:t>
             </a:r>
             <a:r>
-              <a:rPr lang="en-US" altLang="ko-KR" dirty="0" smtClean="0">
+              <a:rPr lang="en-US" altLang="ko-KR" dirty="0">
                 <a:latin typeface="배달의민족 주아" pitchFamily="18" charset="-127"/>
                 <a:ea typeface="배달의민족 주아" pitchFamily="18" charset="-127"/>
               </a:rPr>
@@ -6907,7 +6818,7 @@
           </a:lstStyle>
           <a:p>
             <a:r>
-              <a:rPr lang="en-US" altLang="ko-KR" dirty="0" smtClean="0">
+              <a:rPr lang="en-US" altLang="ko-KR" dirty="0">
                 <a:solidFill>
                   <a:schemeClr val="accent5"/>
                 </a:solidFill>
@@ -6917,14 +6828,14 @@
               <a:t>S</a:t>
             </a:r>
             <a:r>
-              <a:rPr lang="en-US" altLang="ko-KR" dirty="0" smtClean="0">
+              <a:rPr lang="en-US" altLang="ko-KR" dirty="0">
                 <a:latin typeface="배달의민족 도현" pitchFamily="50" charset="-127"/>
                 <a:ea typeface="배달의민족 도현" pitchFamily="50" charset="-127"/>
               </a:rPr>
               <a:t>TART</a:t>
             </a:r>
             <a:r>
-              <a:rPr lang="en-US" altLang="ko-KR" dirty="0" smtClean="0">
+              <a:rPr lang="en-US" altLang="ko-KR" dirty="0">
                 <a:solidFill>
                   <a:schemeClr val="accent5"/>
                 </a:solidFill>
@@ -6934,7 +6845,7 @@
               <a:t>C</a:t>
             </a:r>
             <a:r>
-              <a:rPr lang="en-US" altLang="ko-KR" dirty="0" smtClean="0">
+              <a:rPr lang="en-US" altLang="ko-KR" dirty="0">
                 <a:latin typeface="배달의민족 도현" pitchFamily="50" charset="-127"/>
                 <a:ea typeface="배달의민족 도현" pitchFamily="50" charset="-127"/>
               </a:rPr>
@@ -7002,13 +6913,6 @@
   <p:clrMapOvr>
     <a:masterClrMapping/>
   </p:clrMapOvr>
-  <p:timing>
-    <p:tnLst>
-      <p:par>
-        <p:cTn id="1" dur="indefinite" restart="never" nodeType="tmRoot"/>
-      </p:par>
-    </p:tnLst>
-  </p:timing>
 </p:sld>
 </file>
 
@@ -7047,66 +6951,45 @@
           <a:lstStyle/>
           <a:p>
             <a:r>
-              <a:rPr lang="ko-KR" altLang="en-US" dirty="0" smtClean="0">
+              <a:rPr lang="ko-KR" altLang="en-US" dirty="0">
                 <a:latin typeface="배달의민족 주아" pitchFamily="18" charset="-127"/>
                 <a:ea typeface="배달의민족 주아" pitchFamily="18" charset="-127"/>
               </a:rPr>
               <a:t>디바이스의 너비와 높이에 따라 </a:t>
             </a:r>
-            <a:r>
-              <a:rPr lang="en-US" altLang="ko-KR" dirty="0" smtClean="0">
-                <a:latin typeface="배달의민족 주아" pitchFamily="18" charset="-127"/>
-                <a:ea typeface="배달의민족 주아" pitchFamily="18" charset="-127"/>
-              </a:rPr>
-              <a:t/>
-            </a:r>
             <a:br>
-              <a:rPr lang="en-US" altLang="ko-KR" dirty="0" smtClean="0">
+              <a:rPr lang="en-US" altLang="ko-KR" dirty="0">
                 <a:latin typeface="배달의민족 주아" pitchFamily="18" charset="-127"/>
                 <a:ea typeface="배달의민족 주아" pitchFamily="18" charset="-127"/>
               </a:rPr>
             </a:br>
             <a:r>
-              <a:rPr lang="ko-KR" altLang="en-US" dirty="0" smtClean="0">
+              <a:rPr lang="ko-KR" altLang="en-US" dirty="0">
                 <a:latin typeface="배달의민족 주아" pitchFamily="18" charset="-127"/>
                 <a:ea typeface="배달의민족 주아" pitchFamily="18" charset="-127"/>
               </a:rPr>
               <a:t>휴대폰의 가로모드</a:t>
             </a:r>
             <a:r>
-              <a:rPr lang="en-US" altLang="ko-KR" dirty="0" smtClean="0">
+              <a:rPr lang="en-US" altLang="ko-KR" dirty="0">
                 <a:latin typeface="배달의민족 주아" pitchFamily="18" charset="-127"/>
                 <a:ea typeface="배달의민족 주아" pitchFamily="18" charset="-127"/>
               </a:rPr>
               <a:t>, </a:t>
             </a:r>
             <a:r>
-              <a:rPr lang="ko-KR" altLang="en-US" dirty="0" smtClean="0">
+              <a:rPr lang="ko-KR" altLang="en-US" dirty="0">
                 <a:latin typeface="배달의민족 주아" pitchFamily="18" charset="-127"/>
                 <a:ea typeface="배달의민족 주아" pitchFamily="18" charset="-127"/>
               </a:rPr>
               <a:t>세로모드에 따라</a:t>
             </a:r>
-            <a:r>
-              <a:rPr lang="en-US" altLang="ko-KR" dirty="0" smtClean="0">
-                <a:latin typeface="배달의민족 주아" pitchFamily="18" charset="-127"/>
-                <a:ea typeface="배달의민족 주아" pitchFamily="18" charset="-127"/>
-              </a:rPr>
-              <a:t/>
-            </a:r>
             <a:br>
-              <a:rPr lang="en-US" altLang="ko-KR" dirty="0" smtClean="0">
+              <a:rPr lang="en-US" altLang="ko-KR" dirty="0">
                 <a:latin typeface="배달의민족 주아" pitchFamily="18" charset="-127"/>
                 <a:ea typeface="배달의민족 주아" pitchFamily="18" charset="-127"/>
               </a:rPr>
             </a:br>
-            <a:r>
-              <a:rPr lang="en-US" altLang="ko-KR" dirty="0">
-                <a:latin typeface="배달의민족 주아" pitchFamily="18" charset="-127"/>
-                <a:ea typeface="배달의민족 주아" pitchFamily="18" charset="-127"/>
-              </a:rPr>
-              <a:t/>
-            </a:r>
             <a:br>
               <a:rPr lang="en-US" altLang="ko-KR" dirty="0">
                 <a:latin typeface="배달의민족 주아" pitchFamily="18" charset="-127"/>
@@ -7114,7 +6997,7 @@
               </a:rPr>
             </a:br>
             <a:r>
-              <a:rPr lang="ko-KR" altLang="en-US" dirty="0" smtClean="0">
+              <a:rPr lang="ko-KR" altLang="en-US" dirty="0">
                 <a:solidFill>
                   <a:schemeClr val="accent5"/>
                 </a:solidFill>
@@ -7124,7 +7007,7 @@
               <a:t>서로 다른 </a:t>
             </a:r>
             <a:r>
-              <a:rPr lang="en-US" altLang="ko-KR" dirty="0" smtClean="0">
+              <a:rPr lang="en-US" altLang="ko-KR" dirty="0">
                 <a:solidFill>
                   <a:schemeClr val="accent5"/>
                 </a:solidFill>
@@ -7134,14 +7017,14 @@
               <a:t>CSS</a:t>
             </a:r>
             <a:r>
-              <a:rPr lang="ko-KR" altLang="en-US" dirty="0" smtClean="0">
+              <a:rPr lang="ko-KR" altLang="en-US" dirty="0">
                 <a:latin typeface="배달의민족 주아" pitchFamily="18" charset="-127"/>
                 <a:ea typeface="배달의민족 주아" pitchFamily="18" charset="-127"/>
               </a:rPr>
               <a:t>를 적용할 수 있다</a:t>
             </a:r>
             <a:r>
-              <a:rPr lang="en-US" altLang="ko-KR" dirty="0" smtClean="0">
+              <a:rPr lang="en-US" altLang="ko-KR" dirty="0">
                 <a:latin typeface="배달의민족 주아" pitchFamily="18" charset="-127"/>
                 <a:ea typeface="배달의민족 주아" pitchFamily="18" charset="-127"/>
               </a:rPr>
@@ -7271,7 +7154,7 @@
           </a:lstStyle>
           <a:p>
             <a:r>
-              <a:rPr lang="en-US" altLang="ko-KR" dirty="0" smtClean="0">
+              <a:rPr lang="en-US" altLang="ko-KR" dirty="0">
                 <a:solidFill>
                   <a:schemeClr val="accent5"/>
                 </a:solidFill>
@@ -7281,14 +7164,14 @@
               <a:t>S</a:t>
             </a:r>
             <a:r>
-              <a:rPr lang="en-US" altLang="ko-KR" dirty="0" smtClean="0">
+              <a:rPr lang="en-US" altLang="ko-KR" dirty="0">
                 <a:latin typeface="배달의민족 도현" pitchFamily="50" charset="-127"/>
                 <a:ea typeface="배달의민족 도현" pitchFamily="50" charset="-127"/>
               </a:rPr>
               <a:t>TART</a:t>
             </a:r>
             <a:r>
-              <a:rPr lang="en-US" altLang="ko-KR" dirty="0" smtClean="0">
+              <a:rPr lang="en-US" altLang="ko-KR" dirty="0">
                 <a:solidFill>
                   <a:schemeClr val="accent5"/>
                 </a:solidFill>
@@ -7298,7 +7181,7 @@
               <a:t>C</a:t>
             </a:r>
             <a:r>
-              <a:rPr lang="en-US" altLang="ko-KR" dirty="0" smtClean="0">
+              <a:rPr lang="en-US" altLang="ko-KR" dirty="0">
                 <a:latin typeface="배달의민족 도현" pitchFamily="50" charset="-127"/>
                 <a:ea typeface="배달의민족 도현" pitchFamily="50" charset="-127"/>
               </a:rPr>
@@ -7496,28 +7379,28 @@
           <a:p>
             <a:pPr algn="l"/>
             <a:r>
-              <a:rPr lang="en-US" altLang="ko-KR" dirty="0" smtClean="0">
+              <a:rPr lang="en-US" altLang="ko-KR" dirty="0">
                 <a:latin typeface="배달의민족 주아" pitchFamily="18" charset="-127"/>
                 <a:ea typeface="배달의민족 주아" pitchFamily="18" charset="-127"/>
               </a:rPr>
               <a:t>@media </a:t>
             </a:r>
             <a:r>
-              <a:rPr lang="en-US" altLang="ko-KR" dirty="0" err="1" smtClean="0">
+              <a:rPr lang="en-US" altLang="ko-KR" dirty="0" err="1">
                 <a:latin typeface="배달의민족 주아" pitchFamily="18" charset="-127"/>
                 <a:ea typeface="배달의민족 주아" pitchFamily="18" charset="-127"/>
               </a:rPr>
               <a:t>not|only</a:t>
             </a:r>
             <a:r>
-              <a:rPr lang="en-US" altLang="ko-KR" dirty="0" smtClean="0">
+              <a:rPr lang="en-US" altLang="ko-KR" dirty="0">
                 <a:latin typeface="배달의민족 주아" pitchFamily="18" charset="-127"/>
                 <a:ea typeface="배달의민족 주아" pitchFamily="18" charset="-127"/>
               </a:rPr>
               <a:t> </a:t>
             </a:r>
             <a:r>
-              <a:rPr lang="en-US" altLang="ko-KR" dirty="0" err="1" smtClean="0">
+              <a:rPr lang="en-US" altLang="ko-KR" dirty="0" err="1">
                 <a:solidFill>
                   <a:schemeClr val="accent5"/>
                 </a:solidFill>
@@ -7527,14 +7410,14 @@
               <a:t>mediatype</a:t>
             </a:r>
             <a:r>
-              <a:rPr lang="en-US" altLang="ko-KR" dirty="0" smtClean="0">
+              <a:rPr lang="en-US" altLang="ko-KR" dirty="0">
                 <a:latin typeface="배달의민족 주아" pitchFamily="18" charset="-127"/>
                 <a:ea typeface="배달의민족 주아" pitchFamily="18" charset="-127"/>
               </a:rPr>
               <a:t> and (</a:t>
             </a:r>
             <a:r>
-              <a:rPr lang="en-US" altLang="ko-KR" dirty="0" smtClean="0">
+              <a:rPr lang="en-US" altLang="ko-KR" dirty="0">
                 <a:solidFill>
                   <a:schemeClr val="accent5"/>
                 </a:solidFill>
@@ -7544,78 +7427,64 @@
               <a:t>expressions</a:t>
             </a:r>
             <a:r>
-              <a:rPr lang="en-US" altLang="ko-KR" dirty="0" smtClean="0">
+              <a:rPr lang="en-US" altLang="ko-KR" dirty="0">
                 <a:latin typeface="배달의민족 주아" pitchFamily="18" charset="-127"/>
                 <a:ea typeface="배달의민족 주아" pitchFamily="18" charset="-127"/>
               </a:rPr>
               <a:t>){</a:t>
             </a:r>
             <a:br>
-              <a:rPr lang="en-US" altLang="ko-KR" dirty="0" smtClean="0">
+              <a:rPr lang="en-US" altLang="ko-KR" dirty="0">
                 <a:latin typeface="배달의민족 주아" pitchFamily="18" charset="-127"/>
                 <a:ea typeface="배달의민족 주아" pitchFamily="18" charset="-127"/>
               </a:rPr>
             </a:br>
             <a:r>
-              <a:rPr lang="en-US" altLang="ko-KR" dirty="0" smtClean="0">
+              <a:rPr lang="en-US" altLang="ko-KR" dirty="0">
                 <a:latin typeface="배달의민족 주아" pitchFamily="18" charset="-127"/>
                 <a:ea typeface="배달의민족 주아" pitchFamily="18" charset="-127"/>
               </a:rPr>
               <a:t>	</a:t>
             </a:r>
             <a:r>
-              <a:rPr lang="en-US" altLang="ko-KR" dirty="0" err="1" smtClean="0">
+              <a:rPr lang="en-US" altLang="ko-KR" dirty="0" err="1">
                 <a:latin typeface="배달의민족 주아" pitchFamily="18" charset="-127"/>
                 <a:ea typeface="배달의민족 주아" pitchFamily="18" charset="-127"/>
               </a:rPr>
               <a:t>css</a:t>
             </a:r>
             <a:r>
-              <a:rPr lang="en-US" altLang="ko-KR" dirty="0" smtClean="0">
+              <a:rPr lang="en-US" altLang="ko-KR" dirty="0">
                 <a:latin typeface="배달의민족 주아" pitchFamily="18" charset="-127"/>
                 <a:ea typeface="배달의민족 주아" pitchFamily="18" charset="-127"/>
               </a:rPr>
               <a:t>-code;</a:t>
             </a:r>
             <a:br>
-              <a:rPr lang="en-US" altLang="ko-KR" dirty="0" smtClean="0">
+              <a:rPr lang="en-US" altLang="ko-KR" dirty="0">
                 <a:latin typeface="배달의민족 주아" pitchFamily="18" charset="-127"/>
                 <a:ea typeface="배달의민족 주아" pitchFamily="18" charset="-127"/>
               </a:rPr>
             </a:br>
             <a:r>
-              <a:rPr lang="en-US" altLang="ko-KR" dirty="0" smtClean="0">
+              <a:rPr lang="en-US" altLang="ko-KR" dirty="0">
                 <a:latin typeface="배달의민족 주아" pitchFamily="18" charset="-127"/>
                 <a:ea typeface="배달의민족 주아" pitchFamily="18" charset="-127"/>
               </a:rPr>
               <a:t>}</a:t>
             </a:r>
             <a:br>
-              <a:rPr lang="en-US" altLang="ko-KR" dirty="0" smtClean="0">
+              <a:rPr lang="en-US" altLang="ko-KR" dirty="0">
                 <a:latin typeface="배달의민족 주아" pitchFamily="18" charset="-127"/>
                 <a:ea typeface="배달의민족 주아" pitchFamily="18" charset="-127"/>
               </a:rPr>
             </a:br>
-            <a:r>
-              <a:rPr lang="en-US" altLang="ko-KR" dirty="0">
-                <a:latin typeface="배달의민족 주아" pitchFamily="18" charset="-127"/>
-                <a:ea typeface="배달의민족 주아" pitchFamily="18" charset="-127"/>
-              </a:rPr>
-              <a:t/>
-            </a:r>
             <a:br>
               <a:rPr lang="en-US" altLang="ko-KR" dirty="0">
                 <a:latin typeface="배달의민족 주아" pitchFamily="18" charset="-127"/>
                 <a:ea typeface="배달의민족 주아" pitchFamily="18" charset="-127"/>
               </a:rPr>
             </a:br>
-            <a:r>
-              <a:rPr lang="en-US" altLang="ko-KR" dirty="0">
-                <a:latin typeface="배달의민족 주아" pitchFamily="18" charset="-127"/>
-                <a:ea typeface="배달의민족 주아" pitchFamily="18" charset="-127"/>
-              </a:rPr>
-              <a:t/>
-            </a:r>
             <a:br>
               <a:rPr lang="en-US" altLang="ko-KR" dirty="0">
                 <a:latin typeface="배달의민족 주아" pitchFamily="18" charset="-127"/>
@@ -7843,7 +7712,7 @@
           </a:lstStyle>
           <a:p>
             <a:r>
-              <a:rPr lang="en-US" altLang="ko-KR" dirty="0" smtClean="0">
+              <a:rPr lang="en-US" altLang="ko-KR" dirty="0">
                 <a:solidFill>
                   <a:schemeClr val="accent5"/>
                 </a:solidFill>
@@ -7853,14 +7722,14 @@
               <a:t>S</a:t>
             </a:r>
             <a:r>
-              <a:rPr lang="en-US" altLang="ko-KR" dirty="0" smtClean="0">
+              <a:rPr lang="en-US" altLang="ko-KR" dirty="0">
                 <a:latin typeface="배달의민족 도현" pitchFamily="50" charset="-127"/>
                 <a:ea typeface="배달의민족 도현" pitchFamily="50" charset="-127"/>
               </a:rPr>
               <a:t>TART</a:t>
             </a:r>
             <a:r>
-              <a:rPr lang="en-US" altLang="ko-KR" dirty="0" smtClean="0">
+              <a:rPr lang="en-US" altLang="ko-KR" dirty="0">
                 <a:solidFill>
                   <a:schemeClr val="accent5"/>
                 </a:solidFill>
@@ -7870,7 +7739,7 @@
               <a:t>C</a:t>
             </a:r>
             <a:r>
-              <a:rPr lang="en-US" altLang="ko-KR" dirty="0" smtClean="0">
+              <a:rPr lang="en-US" altLang="ko-KR" dirty="0">
                 <a:latin typeface="배달의민족 도현" pitchFamily="50" charset="-127"/>
                 <a:ea typeface="배달의민족 도현" pitchFamily="50" charset="-127"/>
               </a:rPr>

--- a/프론트엔드기초(PPT)/CSS3 9강_CSS 미디어쿼리.pptx
+++ b/프론트엔드기초(PPT)/CSS3 9강_CSS 미디어쿼리.pptx
@@ -220,7 +220,7 @@
           <a:p>
             <a:fld id="{3547FDC5-66A3-47B5-9CCE-43836CF927EE}" type="datetimeFigureOut">
               <a:rPr lang="ko-KR" altLang="en-US" smtClean="0"/>
-              <a:t>2020-10-09</a:t>
+              <a:t>2021-06-15</a:t>
             </a:fld>
             <a:endParaRPr lang="ko-KR" altLang="en-US"/>
           </a:p>
@@ -666,7 +666,7 @@
           <a:p>
             <a:fld id="{FB30EDBD-1C2D-4C1E-B459-B60219FAB484}" type="datetimeFigureOut">
               <a:rPr lang="ko-KR" altLang="en-US" smtClean="0"/>
-              <a:t>2020-10-09</a:t>
+              <a:t>2021-06-15</a:t>
             </a:fld>
             <a:endParaRPr lang="ko-KR" altLang="en-US"/>
           </a:p>
@@ -829,7 +829,7 @@
           <a:p>
             <a:fld id="{FB30EDBD-1C2D-4C1E-B459-B60219FAB484}" type="datetimeFigureOut">
               <a:rPr lang="ko-KR" altLang="en-US" smtClean="0"/>
-              <a:t>2020-10-09</a:t>
+              <a:t>2021-06-15</a:t>
             </a:fld>
             <a:endParaRPr lang="ko-KR" altLang="en-US"/>
           </a:p>
@@ -1002,7 +1002,7 @@
           <a:p>
             <a:fld id="{FB30EDBD-1C2D-4C1E-B459-B60219FAB484}" type="datetimeFigureOut">
               <a:rPr lang="ko-KR" altLang="en-US" smtClean="0"/>
-              <a:t>2020-10-09</a:t>
+              <a:t>2021-06-15</a:t>
             </a:fld>
             <a:endParaRPr lang="ko-KR" altLang="en-US"/>
           </a:p>
@@ -1165,7 +1165,7 @@
           <a:p>
             <a:fld id="{FB30EDBD-1C2D-4C1E-B459-B60219FAB484}" type="datetimeFigureOut">
               <a:rPr lang="ko-KR" altLang="en-US" smtClean="0"/>
-              <a:t>2020-10-09</a:t>
+              <a:t>2021-06-15</a:t>
             </a:fld>
             <a:endParaRPr lang="ko-KR" altLang="en-US"/>
           </a:p>
@@ -1405,7 +1405,7 @@
           <a:p>
             <a:fld id="{FB30EDBD-1C2D-4C1E-B459-B60219FAB484}" type="datetimeFigureOut">
               <a:rPr lang="ko-KR" altLang="en-US" smtClean="0"/>
-              <a:t>2020-10-09</a:t>
+              <a:t>2021-06-15</a:t>
             </a:fld>
             <a:endParaRPr lang="ko-KR" altLang="en-US"/>
           </a:p>
@@ -1685,7 +1685,7 @@
           <a:p>
             <a:fld id="{FB30EDBD-1C2D-4C1E-B459-B60219FAB484}" type="datetimeFigureOut">
               <a:rPr lang="ko-KR" altLang="en-US" smtClean="0"/>
-              <a:t>2020-10-09</a:t>
+              <a:t>2021-06-15</a:t>
             </a:fld>
             <a:endParaRPr lang="ko-KR" altLang="en-US"/>
           </a:p>
@@ -2099,7 +2099,7 @@
           <a:p>
             <a:fld id="{FB30EDBD-1C2D-4C1E-B459-B60219FAB484}" type="datetimeFigureOut">
               <a:rPr lang="ko-KR" altLang="en-US" smtClean="0"/>
-              <a:t>2020-10-09</a:t>
+              <a:t>2021-06-15</a:t>
             </a:fld>
             <a:endParaRPr lang="ko-KR" altLang="en-US"/>
           </a:p>
@@ -2211,7 +2211,7 @@
           <a:p>
             <a:fld id="{FB30EDBD-1C2D-4C1E-B459-B60219FAB484}" type="datetimeFigureOut">
               <a:rPr lang="ko-KR" altLang="en-US" smtClean="0"/>
-              <a:t>2020-10-09</a:t>
+              <a:t>2021-06-15</a:t>
             </a:fld>
             <a:endParaRPr lang="ko-KR" altLang="en-US"/>
           </a:p>
@@ -2301,7 +2301,7 @@
           <a:p>
             <a:fld id="{FB30EDBD-1C2D-4C1E-B459-B60219FAB484}" type="datetimeFigureOut">
               <a:rPr lang="ko-KR" altLang="en-US" smtClean="0"/>
-              <a:t>2020-10-09</a:t>
+              <a:t>2021-06-15</a:t>
             </a:fld>
             <a:endParaRPr lang="ko-KR" altLang="en-US"/>
           </a:p>
@@ -2571,7 +2571,7 @@
           <a:p>
             <a:fld id="{FB30EDBD-1C2D-4C1E-B459-B60219FAB484}" type="datetimeFigureOut">
               <a:rPr lang="ko-KR" altLang="en-US" smtClean="0"/>
-              <a:t>2020-10-09</a:t>
+              <a:t>2021-06-15</a:t>
             </a:fld>
             <a:endParaRPr lang="ko-KR" altLang="en-US"/>
           </a:p>
@@ -2818,7 +2818,7 @@
           <a:p>
             <a:fld id="{FB30EDBD-1C2D-4C1E-B459-B60219FAB484}" type="datetimeFigureOut">
               <a:rPr lang="ko-KR" altLang="en-US" smtClean="0"/>
-              <a:t>2020-10-09</a:t>
+              <a:t>2021-06-15</a:t>
             </a:fld>
             <a:endParaRPr lang="ko-KR" altLang="en-US"/>
           </a:p>
@@ -3024,7 +3024,7 @@
           <a:p>
             <a:fld id="{FB30EDBD-1C2D-4C1E-B459-B60219FAB484}" type="datetimeFigureOut">
               <a:rPr lang="ko-KR" altLang="en-US" smtClean="0"/>
-              <a:t>2020-10-09</a:t>
+              <a:t>2021-06-15</a:t>
             </a:fld>
             <a:endParaRPr lang="ko-KR" altLang="en-US"/>
           </a:p>
